--- a/React-PPT/React-Hooks.pptx
+++ b/React-PPT/React-Hooks.pptx
@@ -5,21 +5,23 @@
     <p:sldMasterId id="2147483660" r:id="rId1"/>
   </p:sldMasterIdLst>
   <p:notesMasterIdLst>
-    <p:notesMasterId r:id="rId14"/>
+    <p:notesMasterId r:id="rId16"/>
   </p:notesMasterIdLst>
   <p:sldIdLst>
     <p:sldId id="284" r:id="rId2"/>
     <p:sldId id="285" r:id="rId3"/>
     <p:sldId id="286" r:id="rId4"/>
-    <p:sldId id="289" r:id="rId5"/>
-    <p:sldId id="290" r:id="rId6"/>
-    <p:sldId id="291" r:id="rId7"/>
-    <p:sldId id="287" r:id="rId8"/>
-    <p:sldId id="294" r:id="rId9"/>
-    <p:sldId id="295" r:id="rId10"/>
-    <p:sldId id="288" r:id="rId11"/>
-    <p:sldId id="292" r:id="rId12"/>
-    <p:sldId id="293" r:id="rId13"/>
+    <p:sldId id="296" r:id="rId5"/>
+    <p:sldId id="297" r:id="rId6"/>
+    <p:sldId id="289" r:id="rId7"/>
+    <p:sldId id="290" r:id="rId8"/>
+    <p:sldId id="291" r:id="rId9"/>
+    <p:sldId id="287" r:id="rId10"/>
+    <p:sldId id="294" r:id="rId11"/>
+    <p:sldId id="295" r:id="rId12"/>
+    <p:sldId id="288" r:id="rId13"/>
+    <p:sldId id="292" r:id="rId14"/>
+    <p:sldId id="293" r:id="rId15"/>
   </p:sldIdLst>
   <p:sldSz cx="9144000" cy="6858000" type="screen4x3"/>
   <p:notesSz cx="6858000" cy="9144000"/>
@@ -3999,8 +4001,17 @@
               <a:rPr lang="en-US" sz="2700" dirty="0">
                 <a:latin typeface="Berlin Sans FB Demi" pitchFamily="34" charset="0"/>
               </a:rPr>
-              <a:t>React useRef</a:t>
-            </a:r>
+              <a:t>Purpose of </a:t>
+            </a:r>
+            <a:r>
+              <a:rPr lang="en-US" sz="2700" dirty="0" err="1">
+                <a:latin typeface="Berlin Sans FB Demi" pitchFamily="34" charset="0"/>
+              </a:rPr>
+              <a:t>useContext</a:t>
+            </a:r>
+            <a:endParaRPr lang="en-US" sz="2700" dirty="0">
+              <a:latin typeface="Berlin Sans FB Demi" pitchFamily="34" charset="0"/>
+            </a:endParaRPr>
           </a:p>
         </p:txBody>
       </p:sp>
@@ -4045,87 +4056,7 @@
                 <a:latin typeface="Arial" pitchFamily="34" charset="0"/>
                 <a:cs typeface="Arial" pitchFamily="34" charset="0"/>
               </a:rPr>
-              <a:t>The useRef is a hook that allows to directly create a reference to the DOM element in the functional component.</a:t>
-            </a:r>
-          </a:p>
-          <a:p>
-            <a:pPr marL="457200" indent="-457200">
-              <a:spcAft>
-                <a:spcPts val="1200"/>
-              </a:spcAft>
-              <a:buFont typeface="Wingdings" pitchFamily="2" charset="2"/>
-              <a:buChar char="§"/>
-            </a:pPr>
-            <a:r>
-              <a:rPr lang="en-US" sz="2000" b="0" i="0" dirty="0">
-                <a:solidFill>
-                  <a:srgbClr val="273239"/>
-                </a:solidFill>
-                <a:effectLst/>
-                <a:highlight>
-                  <a:srgbClr val="FFFFFF"/>
-                </a:highlight>
-                <a:latin typeface="Nunito" pitchFamily="2" charset="0"/>
-              </a:rPr>
-              <a:t>The useRef hook is a new addition in React 16.8.</a:t>
-            </a:r>
-            <a:endParaRPr lang="en-US" sz="2000" b="0" i="0" dirty="0">
-              <a:solidFill>
-                <a:schemeClr val="tx1">
-                  <a:lumMod val="65000"/>
-                  <a:lumOff val="35000"/>
-                </a:schemeClr>
-              </a:solidFill>
-              <a:effectLst/>
-              <a:highlight>
-                <a:srgbClr val="FFFFFF"/>
-              </a:highlight>
-              <a:latin typeface="Arial" pitchFamily="34" charset="0"/>
-              <a:cs typeface="Arial" pitchFamily="34" charset="0"/>
-            </a:endParaRPr>
-          </a:p>
-          <a:p>
-            <a:pPr marL="457200" indent="-457200">
-              <a:spcAft>
-                <a:spcPts val="1200"/>
-              </a:spcAft>
-              <a:buFont typeface="Wingdings" pitchFamily="2" charset="2"/>
-              <a:buChar char="§"/>
-            </a:pPr>
-            <a:r>
-              <a:rPr lang="en-US" sz="2000" b="0" i="0" dirty="0">
-                <a:solidFill>
-                  <a:srgbClr val="273239"/>
-                </a:solidFill>
-                <a:effectLst/>
-                <a:highlight>
-                  <a:srgbClr val="FFFFFF"/>
-                </a:highlight>
-                <a:latin typeface="Nunito" pitchFamily="2" charset="0"/>
-              </a:rPr>
-              <a:t>Unlike useState if we change a value in useRef it will not re-render the webpage</a:t>
-            </a:r>
-          </a:p>
-          <a:p>
-            <a:pPr marL="457200" indent="-457200">
-              <a:spcAft>
-                <a:spcPts val="1200"/>
-              </a:spcAft>
-              <a:buFont typeface="Wingdings" pitchFamily="2" charset="2"/>
-              <a:buChar char="§"/>
-            </a:pPr>
-            <a:r>
-              <a:rPr lang="en-US" sz="2000" b="1" i="0" dirty="0">
-                <a:solidFill>
-                  <a:srgbClr val="273239"/>
-                </a:solidFill>
-                <a:effectLst/>
-                <a:highlight>
-                  <a:srgbClr val="FFFFFF"/>
-                </a:highlight>
-                <a:latin typeface="Nunito" pitchFamily="2" charset="0"/>
-              </a:rPr>
-              <a:t>Reasons to use useRef hook</a:t>
+              <a:t>Accessing Context Values:</a:t>
             </a:r>
           </a:p>
           <a:p>
@@ -4147,69 +4078,142 @@
                 <a:latin typeface="Arial" pitchFamily="34" charset="0"/>
                 <a:cs typeface="Arial" pitchFamily="34" charset="0"/>
               </a:rPr>
-              <a:t>The main use of useRef hook is to access the DOM elements in a more efficient way as compared to simple refs.</a:t>
-            </a:r>
-          </a:p>
-          <a:p>
-            <a:pPr marL="457200" indent="-457200">
-              <a:spcAft>
-                <a:spcPts val="1200"/>
-              </a:spcAft>
-              <a:buFont typeface="Wingdings" pitchFamily="2" charset="2"/>
-              <a:buChar char="§"/>
-            </a:pPr>
-            <a:r>
-              <a:rPr lang="en-US" sz="2000" b="0" i="0" dirty="0">
-                <a:solidFill>
-                  <a:srgbClr val="273239"/>
-                </a:solidFill>
-                <a:effectLst/>
-                <a:highlight>
-                  <a:srgbClr val="FFFFFF"/>
-                </a:highlight>
-                <a:latin typeface="Nunito" pitchFamily="2" charset="0"/>
-              </a:rPr>
-              <a:t>Since useRef hooks preserve value across various re-renders and do not cause re-renders whenever a value is changed.</a:t>
-            </a:r>
-          </a:p>
-          <a:p>
-            <a:pPr marL="457200" indent="-457200">
-              <a:spcAft>
-                <a:spcPts val="1200"/>
-              </a:spcAft>
-              <a:buFont typeface="Wingdings" pitchFamily="2" charset="2"/>
-              <a:buChar char="§"/>
-            </a:pPr>
-            <a:r>
-              <a:rPr lang="en-US" sz="2000" b="0" i="0" dirty="0">
-                <a:solidFill>
-                  <a:srgbClr val="273239"/>
-                </a:solidFill>
-                <a:effectLst/>
-                <a:highlight>
-                  <a:srgbClr val="FFFFFF"/>
-                </a:highlight>
-                <a:latin typeface="Nunito" pitchFamily="2" charset="0"/>
-              </a:rPr>
-              <a:t> they make the application faster and helps in caching and storing previous values</a:t>
-            </a:r>
-            <a:endParaRPr lang="en-US" sz="2000" dirty="0">
-              <a:solidFill>
-                <a:schemeClr val="tx1">
-                  <a:lumMod val="65000"/>
-                  <a:lumOff val="35000"/>
-                </a:schemeClr>
-              </a:solidFill>
-              <a:latin typeface="Arial" pitchFamily="34" charset="0"/>
-              <a:cs typeface="Arial" pitchFamily="34" charset="0"/>
-            </a:endParaRPr>
+              <a:t>With </a:t>
+            </a:r>
+            <a:r>
+              <a:rPr lang="en-US" sz="2000" dirty="0" err="1">
+                <a:solidFill>
+                  <a:schemeClr val="tx1">
+                    <a:lumMod val="65000"/>
+                    <a:lumOff val="35000"/>
+                  </a:schemeClr>
+                </a:solidFill>
+                <a:latin typeface="Arial" pitchFamily="34" charset="0"/>
+                <a:cs typeface="Arial" pitchFamily="34" charset="0"/>
+              </a:rPr>
+              <a:t>useContext</a:t>
+            </a:r>
+            <a:r>
+              <a:rPr lang="en-US" sz="2000" dirty="0">
+                <a:solidFill>
+                  <a:schemeClr val="tx1">
+                    <a:lumMod val="65000"/>
+                    <a:lumOff val="35000"/>
+                  </a:schemeClr>
+                </a:solidFill>
+                <a:latin typeface="Arial" pitchFamily="34" charset="0"/>
+                <a:cs typeface="Arial" pitchFamily="34" charset="0"/>
+              </a:rPr>
+              <a:t>, you can access values stored in a React context from any component within the same context provider.</a:t>
+            </a:r>
+          </a:p>
+          <a:p>
+            <a:pPr marL="457200" indent="-457200">
+              <a:spcAft>
+                <a:spcPts val="1200"/>
+              </a:spcAft>
+              <a:buFont typeface="Wingdings" pitchFamily="2" charset="2"/>
+              <a:buChar char="§"/>
+            </a:pPr>
+            <a:r>
+              <a:rPr lang="en-US" sz="2000" dirty="0">
+                <a:solidFill>
+                  <a:schemeClr val="tx1">
+                    <a:lumMod val="65000"/>
+                    <a:lumOff val="35000"/>
+                  </a:schemeClr>
+                </a:solidFill>
+                <a:latin typeface="Arial" pitchFamily="34" charset="0"/>
+                <a:cs typeface="Arial" pitchFamily="34" charset="0"/>
+              </a:rPr>
+              <a:t>Avoiding Prop Drilling:</a:t>
+            </a:r>
+          </a:p>
+          <a:p>
+            <a:pPr marL="457200" indent="-457200">
+              <a:spcAft>
+                <a:spcPts val="1200"/>
+              </a:spcAft>
+              <a:buFont typeface="Wingdings" pitchFamily="2" charset="2"/>
+              <a:buChar char="§"/>
+            </a:pPr>
+            <a:r>
+              <a:rPr lang="en-US" sz="2000" dirty="0">
+                <a:solidFill>
+                  <a:schemeClr val="tx1">
+                    <a:lumMod val="65000"/>
+                    <a:lumOff val="35000"/>
+                  </a:schemeClr>
+                </a:solidFill>
+                <a:latin typeface="Arial" pitchFamily="34" charset="0"/>
+                <a:cs typeface="Arial" pitchFamily="34" charset="0"/>
+              </a:rPr>
+              <a:t>It helps avoid “prop drilling” which is the process of passing props down through multiple levels of components just to reach a component that needs those values.</a:t>
+            </a:r>
+          </a:p>
+          <a:p>
+            <a:pPr marL="457200" indent="-457200">
+              <a:spcAft>
+                <a:spcPts val="1200"/>
+              </a:spcAft>
+              <a:buFont typeface="Wingdings" pitchFamily="2" charset="2"/>
+              <a:buChar char="§"/>
+            </a:pPr>
+            <a:r>
+              <a:rPr lang="en-US" sz="2000" dirty="0">
+                <a:solidFill>
+                  <a:schemeClr val="tx1">
+                    <a:lumMod val="65000"/>
+                    <a:lumOff val="35000"/>
+                  </a:schemeClr>
+                </a:solidFill>
+                <a:latin typeface="Arial" pitchFamily="34" charset="0"/>
+                <a:cs typeface="Arial" pitchFamily="34" charset="0"/>
+              </a:rPr>
+              <a:t>Simplified Data Sharing:</a:t>
+            </a:r>
+          </a:p>
+          <a:p>
+            <a:pPr marL="457200" indent="-457200">
+              <a:spcAft>
+                <a:spcPts val="1200"/>
+              </a:spcAft>
+              <a:buFont typeface="Wingdings" pitchFamily="2" charset="2"/>
+              <a:buChar char="§"/>
+            </a:pPr>
+            <a:r>
+              <a:rPr lang="en-US" sz="2000" dirty="0" err="1">
+                <a:solidFill>
+                  <a:schemeClr val="tx1">
+                    <a:lumMod val="65000"/>
+                    <a:lumOff val="35000"/>
+                  </a:schemeClr>
+                </a:solidFill>
+                <a:latin typeface="Arial" pitchFamily="34" charset="0"/>
+                <a:cs typeface="Arial" pitchFamily="34" charset="0"/>
+              </a:rPr>
+              <a:t>useContext</a:t>
+            </a:r>
+            <a:r>
+              <a:rPr lang="en-US" sz="2000" dirty="0">
+                <a:solidFill>
+                  <a:schemeClr val="tx1">
+                    <a:lumMod val="65000"/>
+                    <a:lumOff val="35000"/>
+                  </a:schemeClr>
+                </a:solidFill>
+                <a:latin typeface="Arial" pitchFamily="34" charset="0"/>
+                <a:cs typeface="Arial" pitchFamily="34" charset="0"/>
+              </a:rPr>
+              <a:t> simplifies the process of sharing data or functionality across many components in your application, especially when dealing with deeply nested components.</a:t>
+            </a:r>
           </a:p>
         </p:txBody>
       </p:sp>
     </p:spTree>
     <p:extLst>
       <p:ext uri="{BB962C8B-B14F-4D97-AF65-F5344CB8AC3E}">
-        <p14:creationId xmlns:p14="http://schemas.microsoft.com/office/powerpoint/2010/main" val="3226860412"/>
+        <p14:creationId xmlns:p14="http://schemas.microsoft.com/office/powerpoint/2010/main" val="4079403101"/>
       </p:ext>
     </p:extLst>
   </p:cSld>
@@ -4277,8 +4281,17 @@
               <a:rPr lang="en-US" sz="2700" dirty="0">
                 <a:latin typeface="Berlin Sans FB Demi" pitchFamily="34" charset="0"/>
               </a:rPr>
-              <a:t>React useRef(Cont..)</a:t>
-            </a:r>
+              <a:t>Purpose of </a:t>
+            </a:r>
+            <a:r>
+              <a:rPr lang="en-US" sz="2700" dirty="0" err="1">
+                <a:latin typeface="Berlin Sans FB Demi" pitchFamily="34" charset="0"/>
+              </a:rPr>
+              <a:t>useContext</a:t>
+            </a:r>
+            <a:endParaRPr lang="en-US" sz="2700" dirty="0">
+              <a:latin typeface="Berlin Sans FB Demi" pitchFamily="34" charset="0"/>
+            </a:endParaRPr>
           </a:p>
         </p:txBody>
       </p:sp>
@@ -4305,6 +4318,569 @@
           </a:bodyPr>
           <a:lstStyle/>
           <a:p>
+            <a:pPr marL="457200" indent="-457200">
+              <a:spcAft>
+                <a:spcPts val="1200"/>
+              </a:spcAft>
+              <a:buFont typeface="Wingdings" pitchFamily="2" charset="2"/>
+              <a:buChar char="§"/>
+            </a:pPr>
+            <a:r>
+              <a:rPr lang="en-US" sz="2000" dirty="0">
+                <a:solidFill>
+                  <a:schemeClr val="tx1">
+                    <a:lumMod val="65000"/>
+                    <a:lumOff val="35000"/>
+                  </a:schemeClr>
+                </a:solidFill>
+                <a:latin typeface="Arial" pitchFamily="34" charset="0"/>
+                <a:cs typeface="Arial" pitchFamily="34" charset="0"/>
+              </a:rPr>
+              <a:t>Cleaner Component Structure:</a:t>
+            </a:r>
+          </a:p>
+          <a:p>
+            <a:pPr marL="457200" indent="-457200">
+              <a:spcAft>
+                <a:spcPts val="1200"/>
+              </a:spcAft>
+              <a:buFont typeface="Wingdings" pitchFamily="2" charset="2"/>
+              <a:buChar char="§"/>
+            </a:pPr>
+            <a:r>
+              <a:rPr lang="en-US" sz="2000" dirty="0">
+                <a:solidFill>
+                  <a:schemeClr val="tx1">
+                    <a:lumMod val="65000"/>
+                    <a:lumOff val="35000"/>
+                  </a:schemeClr>
+                </a:solidFill>
+                <a:latin typeface="Arial" pitchFamily="34" charset="0"/>
+                <a:cs typeface="Arial" pitchFamily="34" charset="0"/>
+              </a:rPr>
+              <a:t>By using </a:t>
+            </a:r>
+            <a:r>
+              <a:rPr lang="en-US" sz="2000" dirty="0" err="1">
+                <a:solidFill>
+                  <a:schemeClr val="tx1">
+                    <a:lumMod val="65000"/>
+                    <a:lumOff val="35000"/>
+                  </a:schemeClr>
+                </a:solidFill>
+                <a:latin typeface="Arial" pitchFamily="34" charset="0"/>
+                <a:cs typeface="Arial" pitchFamily="34" charset="0"/>
+              </a:rPr>
+              <a:t>useContext</a:t>
+            </a:r>
+            <a:r>
+              <a:rPr lang="en-US" sz="2000" dirty="0">
+                <a:solidFill>
+                  <a:schemeClr val="tx1">
+                    <a:lumMod val="65000"/>
+                    <a:lumOff val="35000"/>
+                  </a:schemeClr>
+                </a:solidFill>
+                <a:latin typeface="Arial" pitchFamily="34" charset="0"/>
+                <a:cs typeface="Arial" pitchFamily="34" charset="0"/>
+              </a:rPr>
+              <a:t>, you can keep your component tree cleaner and more readable by avoiding the clutter of passing props down through intermediary components.</a:t>
+            </a:r>
+          </a:p>
+          <a:p>
+            <a:pPr marL="457200" indent="-457200">
+              <a:spcAft>
+                <a:spcPts val="1200"/>
+              </a:spcAft>
+              <a:buFont typeface="Wingdings" pitchFamily="2" charset="2"/>
+              <a:buChar char="§"/>
+            </a:pPr>
+            <a:r>
+              <a:rPr lang="en-US" sz="2000" dirty="0">
+                <a:solidFill>
+                  <a:schemeClr val="tx1">
+                    <a:lumMod val="65000"/>
+                    <a:lumOff val="35000"/>
+                  </a:schemeClr>
+                </a:solidFill>
+                <a:latin typeface="Arial" pitchFamily="34" charset="0"/>
+                <a:cs typeface="Arial" pitchFamily="34" charset="0"/>
+              </a:rPr>
+              <a:t>Easy-to-Use API:</a:t>
+            </a:r>
+          </a:p>
+          <a:p>
+            <a:pPr marL="457200" indent="-457200">
+              <a:spcAft>
+                <a:spcPts val="1200"/>
+              </a:spcAft>
+              <a:buFont typeface="Wingdings" pitchFamily="2" charset="2"/>
+              <a:buChar char="§"/>
+            </a:pPr>
+            <a:r>
+              <a:rPr lang="en-US" sz="2000" dirty="0" err="1">
+                <a:solidFill>
+                  <a:schemeClr val="tx1">
+                    <a:lumMod val="65000"/>
+                    <a:lumOff val="35000"/>
+                  </a:schemeClr>
+                </a:solidFill>
+                <a:latin typeface="Arial" pitchFamily="34" charset="0"/>
+                <a:cs typeface="Arial" pitchFamily="34" charset="0"/>
+              </a:rPr>
+              <a:t>useContext</a:t>
+            </a:r>
+            <a:r>
+              <a:rPr lang="en-US" sz="2000" dirty="0">
+                <a:solidFill>
+                  <a:schemeClr val="tx1">
+                    <a:lumMod val="65000"/>
+                    <a:lumOff val="35000"/>
+                  </a:schemeClr>
+                </a:solidFill>
+                <a:latin typeface="Arial" pitchFamily="34" charset="0"/>
+                <a:cs typeface="Arial" pitchFamily="34" charset="0"/>
+              </a:rPr>
+              <a:t> provides a straightforward API for accessing context values within functional components, making it intuitive and easy to use.</a:t>
+            </a:r>
+          </a:p>
+          <a:p>
+            <a:pPr marL="457200" indent="-457200">
+              <a:spcAft>
+                <a:spcPts val="1200"/>
+              </a:spcAft>
+              <a:buFont typeface="Wingdings" pitchFamily="2" charset="2"/>
+              <a:buChar char="§"/>
+            </a:pPr>
+            <a:r>
+              <a:rPr lang="en-US" sz="2000" dirty="0">
+                <a:solidFill>
+                  <a:schemeClr val="tx1">
+                    <a:lumMod val="65000"/>
+                    <a:lumOff val="35000"/>
+                  </a:schemeClr>
+                </a:solidFill>
+                <a:latin typeface="Arial" pitchFamily="34" charset="0"/>
+                <a:cs typeface="Arial" pitchFamily="34" charset="0"/>
+              </a:rPr>
+              <a:t>'</a:t>
+            </a:r>
+            <a:r>
+              <a:rPr lang="en-US" sz="2000" dirty="0" err="1">
+                <a:solidFill>
+                  <a:schemeClr val="tx1">
+                    <a:lumMod val="65000"/>
+                    <a:lumOff val="35000"/>
+                  </a:schemeClr>
+                </a:solidFill>
+                <a:latin typeface="Arial" pitchFamily="34" charset="0"/>
+                <a:cs typeface="Arial" pitchFamily="34" charset="0"/>
+              </a:rPr>
+              <a:t>useContext</a:t>
+            </a:r>
+            <a:r>
+              <a:rPr lang="en-US" sz="2000">
+                <a:solidFill>
+                  <a:schemeClr val="tx1">
+                    <a:lumMod val="65000"/>
+                    <a:lumOff val="35000"/>
+                  </a:schemeClr>
+                </a:solidFill>
+                <a:latin typeface="Arial" pitchFamily="34" charset="0"/>
+                <a:cs typeface="Arial" pitchFamily="34" charset="0"/>
+              </a:rPr>
+              <a:t>' enhances the flexibility and scalability of your React applications by providing a convenient way to share and access global state or other shared data without the need for complex prop threading.</a:t>
+            </a:r>
+            <a:endParaRPr lang="en-US" sz="2000" dirty="0">
+              <a:solidFill>
+                <a:schemeClr val="tx1">
+                  <a:lumMod val="65000"/>
+                  <a:lumOff val="35000"/>
+                </a:schemeClr>
+              </a:solidFill>
+              <a:latin typeface="Arial" pitchFamily="34" charset="0"/>
+              <a:cs typeface="Arial" pitchFamily="34" charset="0"/>
+            </a:endParaRPr>
+          </a:p>
+        </p:txBody>
+      </p:sp>
+    </p:spTree>
+    <p:extLst>
+      <p:ext uri="{BB962C8B-B14F-4D97-AF65-F5344CB8AC3E}">
+        <p14:creationId xmlns:p14="http://schemas.microsoft.com/office/powerpoint/2010/main" val="3085040931"/>
+      </p:ext>
+    </p:extLst>
+  </p:cSld>
+  <p:clrMapOvr>
+    <a:masterClrMapping/>
+  </p:clrMapOvr>
+  <p:transition>
+    <p:push dir="d"/>
+  </p:transition>
+</p:sld>
+</file>
+
+<file path=ppt/slides/slide12.xml><?xml version="1.0" encoding="utf-8"?>
+<p:sld xmlns:a="http://schemas.openxmlformats.org/drawingml/2006/main" xmlns:r="http://schemas.openxmlformats.org/officeDocument/2006/relationships" xmlns:p="http://schemas.openxmlformats.org/presentationml/2006/main">
+  <p:cSld>
+    <p:spTree>
+      <p:nvGrpSpPr>
+        <p:cNvPr id="1" name=""/>
+        <p:cNvGrpSpPr/>
+        <p:nvPr/>
+      </p:nvGrpSpPr>
+      <p:grpSpPr>
+        <a:xfrm>
+          <a:off x="0" y="0"/>
+          <a:ext cx="0" cy="0"/>
+          <a:chOff x="0" y="0"/>
+          <a:chExt cx="0" cy="0"/>
+        </a:xfrm>
+      </p:grpSpPr>
+      <p:sp>
+        <p:nvSpPr>
+          <p:cNvPr id="4" name="Rectangle 3"/>
+          <p:cNvSpPr/>
+          <p:nvPr/>
+        </p:nvSpPr>
+        <p:spPr>
+          <a:xfrm>
+            <a:off x="0" y="0"/>
+            <a:ext cx="9144000" cy="609600"/>
+          </a:xfrm>
+          <a:prstGeom prst="rect">
+            <a:avLst/>
+          </a:prstGeom>
+        </p:spPr>
+        <p:style>
+          <a:lnRef idx="0">
+            <a:schemeClr val="accent1"/>
+          </a:lnRef>
+          <a:fillRef idx="3">
+            <a:schemeClr val="accent1"/>
+          </a:fillRef>
+          <a:effectRef idx="3">
+            <a:schemeClr val="accent1"/>
+          </a:effectRef>
+          <a:fontRef idx="minor">
+            <a:schemeClr val="lt1"/>
+          </a:fontRef>
+        </p:style>
+        <p:txBody>
+          <a:bodyPr rtlCol="0" anchor="ctr"/>
+          <a:lstStyle/>
+          <a:p>
+            <a:pPr algn="r"/>
+            <a:r>
+              <a:rPr lang="en-US" sz="2700" dirty="0">
+                <a:latin typeface="Berlin Sans FB Demi" pitchFamily="34" charset="0"/>
+              </a:rPr>
+              <a:t>React useRef</a:t>
+            </a:r>
+          </a:p>
+        </p:txBody>
+      </p:sp>
+      <p:sp>
+        <p:nvSpPr>
+          <p:cNvPr id="7" name="Content Placeholder 2"/>
+          <p:cNvSpPr txBox="1">
+            <a:spLocks/>
+          </p:cNvSpPr>
+          <p:nvPr/>
+        </p:nvSpPr>
+        <p:spPr>
+          <a:xfrm>
+            <a:off x="381000" y="685801"/>
+            <a:ext cx="8458200" cy="5867400"/>
+          </a:xfrm>
+          <a:prstGeom prst="rect">
+            <a:avLst/>
+          </a:prstGeom>
+        </p:spPr>
+        <p:txBody>
+          <a:bodyPr vert="horz" lIns="91440" tIns="45720" rIns="91440" bIns="45720" rtlCol="0">
+            <a:normAutofit/>
+          </a:bodyPr>
+          <a:lstStyle/>
+          <a:p>
+            <a:pPr marL="457200" indent="-457200">
+              <a:spcAft>
+                <a:spcPts val="1200"/>
+              </a:spcAft>
+              <a:buFont typeface="Wingdings" pitchFamily="2" charset="2"/>
+              <a:buChar char="§"/>
+            </a:pPr>
+            <a:r>
+              <a:rPr lang="en-US" sz="2000" dirty="0">
+                <a:solidFill>
+                  <a:schemeClr val="tx1">
+                    <a:lumMod val="65000"/>
+                    <a:lumOff val="35000"/>
+                  </a:schemeClr>
+                </a:solidFill>
+                <a:latin typeface="Arial" pitchFamily="34" charset="0"/>
+                <a:cs typeface="Arial" pitchFamily="34" charset="0"/>
+              </a:rPr>
+              <a:t>The useRef is a hook that allows to directly create a reference to the DOM element in the functional component.</a:t>
+            </a:r>
+          </a:p>
+          <a:p>
+            <a:pPr marL="457200" indent="-457200">
+              <a:spcAft>
+                <a:spcPts val="1200"/>
+              </a:spcAft>
+              <a:buFont typeface="Wingdings" pitchFamily="2" charset="2"/>
+              <a:buChar char="§"/>
+            </a:pPr>
+            <a:r>
+              <a:rPr lang="en-US" sz="2000" b="0" i="0" dirty="0">
+                <a:solidFill>
+                  <a:srgbClr val="273239"/>
+                </a:solidFill>
+                <a:effectLst/>
+                <a:highlight>
+                  <a:srgbClr val="FFFFFF"/>
+                </a:highlight>
+                <a:latin typeface="Nunito" pitchFamily="2" charset="0"/>
+              </a:rPr>
+              <a:t>The useRef hook is a new addition in React 16.8.</a:t>
+            </a:r>
+            <a:endParaRPr lang="en-US" sz="2000" b="0" i="0" dirty="0">
+              <a:solidFill>
+                <a:schemeClr val="tx1">
+                  <a:lumMod val="65000"/>
+                  <a:lumOff val="35000"/>
+                </a:schemeClr>
+              </a:solidFill>
+              <a:effectLst/>
+              <a:highlight>
+                <a:srgbClr val="FFFFFF"/>
+              </a:highlight>
+              <a:latin typeface="Arial" pitchFamily="34" charset="0"/>
+              <a:cs typeface="Arial" pitchFamily="34" charset="0"/>
+            </a:endParaRPr>
+          </a:p>
+          <a:p>
+            <a:pPr marL="457200" indent="-457200">
+              <a:spcAft>
+                <a:spcPts val="1200"/>
+              </a:spcAft>
+              <a:buFont typeface="Wingdings" pitchFamily="2" charset="2"/>
+              <a:buChar char="§"/>
+            </a:pPr>
+            <a:r>
+              <a:rPr lang="en-US" sz="2000" b="0" i="0" dirty="0">
+                <a:solidFill>
+                  <a:srgbClr val="273239"/>
+                </a:solidFill>
+                <a:effectLst/>
+                <a:highlight>
+                  <a:srgbClr val="FFFFFF"/>
+                </a:highlight>
+                <a:latin typeface="Nunito" pitchFamily="2" charset="0"/>
+              </a:rPr>
+              <a:t>Unlike useState if we change a value in useRef it will not re-render the webpage</a:t>
+            </a:r>
+          </a:p>
+          <a:p>
+            <a:pPr marL="457200" indent="-457200">
+              <a:spcAft>
+                <a:spcPts val="1200"/>
+              </a:spcAft>
+              <a:buFont typeface="Wingdings" pitchFamily="2" charset="2"/>
+              <a:buChar char="§"/>
+            </a:pPr>
+            <a:r>
+              <a:rPr lang="en-US" sz="2000" b="1" i="0" dirty="0">
+                <a:solidFill>
+                  <a:srgbClr val="273239"/>
+                </a:solidFill>
+                <a:effectLst/>
+                <a:highlight>
+                  <a:srgbClr val="FFFFFF"/>
+                </a:highlight>
+                <a:latin typeface="Nunito" pitchFamily="2" charset="0"/>
+              </a:rPr>
+              <a:t>Reasons to use useRef hook</a:t>
+            </a:r>
+          </a:p>
+          <a:p>
+            <a:pPr marL="457200" indent="-457200">
+              <a:spcAft>
+                <a:spcPts val="1200"/>
+              </a:spcAft>
+              <a:buFont typeface="Wingdings" pitchFamily="2" charset="2"/>
+              <a:buChar char="§"/>
+            </a:pPr>
+            <a:r>
+              <a:rPr lang="en-US" sz="2000" dirty="0">
+                <a:solidFill>
+                  <a:schemeClr val="tx1">
+                    <a:lumMod val="65000"/>
+                    <a:lumOff val="35000"/>
+                  </a:schemeClr>
+                </a:solidFill>
+                <a:latin typeface="Arial" pitchFamily="34" charset="0"/>
+                <a:cs typeface="Arial" pitchFamily="34" charset="0"/>
+              </a:rPr>
+              <a:t>The main use of useRef hook is to access the DOM elements in a more efficient way as compared to simple refs.</a:t>
+            </a:r>
+          </a:p>
+          <a:p>
+            <a:pPr marL="457200" indent="-457200">
+              <a:spcAft>
+                <a:spcPts val="1200"/>
+              </a:spcAft>
+              <a:buFont typeface="Wingdings" pitchFamily="2" charset="2"/>
+              <a:buChar char="§"/>
+            </a:pPr>
+            <a:r>
+              <a:rPr lang="en-US" sz="2000" b="0" i="0" dirty="0">
+                <a:solidFill>
+                  <a:srgbClr val="273239"/>
+                </a:solidFill>
+                <a:effectLst/>
+                <a:highlight>
+                  <a:srgbClr val="FFFFFF"/>
+                </a:highlight>
+                <a:latin typeface="Nunito" pitchFamily="2" charset="0"/>
+              </a:rPr>
+              <a:t>Since useRef hooks preserve value across various re-renders and do not cause re-renders whenever a value is changed.</a:t>
+            </a:r>
+          </a:p>
+          <a:p>
+            <a:pPr marL="457200" indent="-457200">
+              <a:spcAft>
+                <a:spcPts val="1200"/>
+              </a:spcAft>
+              <a:buFont typeface="Wingdings" pitchFamily="2" charset="2"/>
+              <a:buChar char="§"/>
+            </a:pPr>
+            <a:r>
+              <a:rPr lang="en-US" sz="2000" b="0" i="0" dirty="0">
+                <a:solidFill>
+                  <a:srgbClr val="273239"/>
+                </a:solidFill>
+                <a:effectLst/>
+                <a:highlight>
+                  <a:srgbClr val="FFFFFF"/>
+                </a:highlight>
+                <a:latin typeface="Nunito" pitchFamily="2" charset="0"/>
+              </a:rPr>
+              <a:t> they make the application faster and helps in caching and storing previous values</a:t>
+            </a:r>
+            <a:endParaRPr lang="en-US" sz="2000" dirty="0">
+              <a:solidFill>
+                <a:schemeClr val="tx1">
+                  <a:lumMod val="65000"/>
+                  <a:lumOff val="35000"/>
+                </a:schemeClr>
+              </a:solidFill>
+              <a:latin typeface="Arial" pitchFamily="34" charset="0"/>
+              <a:cs typeface="Arial" pitchFamily="34" charset="0"/>
+            </a:endParaRPr>
+          </a:p>
+        </p:txBody>
+      </p:sp>
+    </p:spTree>
+    <p:extLst>
+      <p:ext uri="{BB962C8B-B14F-4D97-AF65-F5344CB8AC3E}">
+        <p14:creationId xmlns:p14="http://schemas.microsoft.com/office/powerpoint/2010/main" val="3226860412"/>
+      </p:ext>
+    </p:extLst>
+  </p:cSld>
+  <p:clrMapOvr>
+    <a:masterClrMapping/>
+  </p:clrMapOvr>
+  <p:transition>
+    <p:push dir="d"/>
+  </p:transition>
+</p:sld>
+</file>
+
+<file path=ppt/slides/slide13.xml><?xml version="1.0" encoding="utf-8"?>
+<p:sld xmlns:a="http://schemas.openxmlformats.org/drawingml/2006/main" xmlns:r="http://schemas.openxmlformats.org/officeDocument/2006/relationships" xmlns:p="http://schemas.openxmlformats.org/presentationml/2006/main">
+  <p:cSld>
+    <p:spTree>
+      <p:nvGrpSpPr>
+        <p:cNvPr id="1" name=""/>
+        <p:cNvGrpSpPr/>
+        <p:nvPr/>
+      </p:nvGrpSpPr>
+      <p:grpSpPr>
+        <a:xfrm>
+          <a:off x="0" y="0"/>
+          <a:ext cx="0" cy="0"/>
+          <a:chOff x="0" y="0"/>
+          <a:chExt cx="0" cy="0"/>
+        </a:xfrm>
+      </p:grpSpPr>
+      <p:sp>
+        <p:nvSpPr>
+          <p:cNvPr id="4" name="Rectangle 3"/>
+          <p:cNvSpPr/>
+          <p:nvPr/>
+        </p:nvSpPr>
+        <p:spPr>
+          <a:xfrm>
+            <a:off x="0" y="0"/>
+            <a:ext cx="9144000" cy="609600"/>
+          </a:xfrm>
+          <a:prstGeom prst="rect">
+            <a:avLst/>
+          </a:prstGeom>
+        </p:spPr>
+        <p:style>
+          <a:lnRef idx="0">
+            <a:schemeClr val="accent1"/>
+          </a:lnRef>
+          <a:fillRef idx="3">
+            <a:schemeClr val="accent1"/>
+          </a:fillRef>
+          <a:effectRef idx="3">
+            <a:schemeClr val="accent1"/>
+          </a:effectRef>
+          <a:fontRef idx="minor">
+            <a:schemeClr val="lt1"/>
+          </a:fontRef>
+        </p:style>
+        <p:txBody>
+          <a:bodyPr rtlCol="0" anchor="ctr"/>
+          <a:lstStyle/>
+          <a:p>
+            <a:pPr algn="r"/>
+            <a:r>
+              <a:rPr lang="en-US" sz="2700" dirty="0">
+                <a:latin typeface="Berlin Sans FB Demi" pitchFamily="34" charset="0"/>
+              </a:rPr>
+              <a:t>React useRef(Cont..)</a:t>
+            </a:r>
+          </a:p>
+        </p:txBody>
+      </p:sp>
+      <p:sp>
+        <p:nvSpPr>
+          <p:cNvPr id="7" name="Content Placeholder 2"/>
+          <p:cNvSpPr txBox="1">
+            <a:spLocks/>
+          </p:cNvSpPr>
+          <p:nvPr/>
+        </p:nvSpPr>
+        <p:spPr>
+          <a:xfrm>
+            <a:off x="381000" y="685801"/>
+            <a:ext cx="8458200" cy="5867400"/>
+          </a:xfrm>
+          <a:prstGeom prst="rect">
+            <a:avLst/>
+          </a:prstGeom>
+        </p:spPr>
+        <p:txBody>
+          <a:bodyPr vert="horz" lIns="91440" tIns="45720" rIns="91440" bIns="45720" rtlCol="0">
+            <a:normAutofit/>
+          </a:bodyPr>
+          <a:lstStyle/>
+          <a:p>
             <a:pPr>
               <a:spcAft>
                 <a:spcPts val="1200"/>
@@ -4703,7 +5279,7 @@
 </p:sld>
 </file>
 
-<file path=ppt/slides/slide12.xml><?xml version="1.0" encoding="utf-8"?>
+<file path=ppt/slides/slide14.xml><?xml version="1.0" encoding="utf-8"?>
 <p:sld xmlns:a="http://schemas.openxmlformats.org/drawingml/2006/main" xmlns:r="http://schemas.openxmlformats.org/officeDocument/2006/relationships" xmlns:p="http://schemas.openxmlformats.org/presentationml/2006/main">
   <p:cSld>
     <p:spTree>
@@ -5870,7 +6446,7 @@
         </p:spPr>
         <p:txBody>
           <a:bodyPr vert="horz" lIns="91440" tIns="45720" rIns="91440" bIns="45720" rtlCol="0">
-            <a:normAutofit/>
+            <a:normAutofit fontScale="77500" lnSpcReduction="20000"/>
           </a:bodyPr>
           <a:lstStyle/>
           <a:p>
@@ -5882,29 +6458,7 @@
               <a:buChar char="§"/>
             </a:pPr>
             <a:r>
-              <a:rPr lang="en-US" sz="2000" dirty="0">
-                <a:solidFill>
-                  <a:schemeClr val="tx1">
-                    <a:lumMod val="65000"/>
-                    <a:lumOff val="35000"/>
-                  </a:schemeClr>
-                </a:solidFill>
-                <a:latin typeface="Arial" pitchFamily="34" charset="0"/>
-                <a:cs typeface="Arial" pitchFamily="34" charset="0"/>
-              </a:rPr>
-              <a:t>The useState hook is a powerful addition to React, introduced in version 16.8</a:t>
-            </a:r>
-          </a:p>
-          <a:p>
-            <a:pPr marL="457200" indent="-457200">
-              <a:spcAft>
-                <a:spcPts val="1200"/>
-              </a:spcAft>
-              <a:buFont typeface="Wingdings" pitchFamily="2" charset="2"/>
-              <a:buChar char="§"/>
-            </a:pPr>
-            <a:r>
-              <a:rPr lang="en-US" sz="2000" b="0" i="0" dirty="0">
+              <a:rPr lang="en-US" sz="2000" b="0" i="0" dirty="0" err="1">
                 <a:solidFill>
                   <a:srgbClr val="273239"/>
                 </a:solidFill>
@@ -5912,9 +6466,90 @@
                 <a:highlight>
                   <a:srgbClr val="FFFFFF"/>
                 </a:highlight>
-                <a:latin typeface="Nunito" pitchFamily="2" charset="0"/>
-              </a:rPr>
-              <a:t>It allows you to manage state within functional components without the need for class-based components.</a:t>
+              </a:rPr>
+              <a:t>useState</a:t>
+            </a:r>
+            <a:r>
+              <a:rPr lang="en-US" sz="2000" b="0" i="0" dirty="0">
+                <a:solidFill>
+                  <a:srgbClr val="273239"/>
+                </a:solidFill>
+                <a:effectLst/>
+                <a:highlight>
+                  <a:srgbClr val="FFFFFF"/>
+                </a:highlight>
+              </a:rPr>
+              <a:t> </a:t>
+            </a:r>
+            <a:r>
+              <a:rPr lang="en-US" sz="2000" dirty="0">
+                <a:highlight>
+                  <a:srgbClr val="FFFFFF"/>
+                </a:highlight>
+              </a:rPr>
+              <a:t>is a </a:t>
+            </a:r>
+            <a:r>
+              <a:rPr lang="en-US" sz="2000" b="1" dirty="0">
+                <a:highlight>
+                  <a:srgbClr val="FFFFFF"/>
+                </a:highlight>
+              </a:rPr>
+              <a:t>React Hook</a:t>
+            </a:r>
+            <a:r>
+              <a:rPr lang="en-US" sz="2000" dirty="0">
+                <a:highlight>
+                  <a:srgbClr val="FFFFFF"/>
+                </a:highlight>
+              </a:rPr>
+              <a:t> that lets you </a:t>
+            </a:r>
+            <a:r>
+              <a:rPr lang="en-US" sz="2000" b="1" dirty="0">
+                <a:highlight>
+                  <a:srgbClr val="FFFFFF"/>
+                </a:highlight>
+              </a:rPr>
+              <a:t>add state to functional components</a:t>
+            </a:r>
+            <a:r>
+              <a:rPr lang="en-US" sz="2000" dirty="0">
+                <a:highlight>
+                  <a:srgbClr val="FFFFFF"/>
+                </a:highlight>
+              </a:rPr>
+              <a:t>.</a:t>
+            </a:r>
+            <a:endParaRPr lang="en-US" sz="2000" b="0" i="0" dirty="0">
+              <a:solidFill>
+                <a:srgbClr val="273239"/>
+              </a:solidFill>
+              <a:effectLst/>
+              <a:highlight>
+                <a:srgbClr val="FFFFFF"/>
+              </a:highlight>
+            </a:endParaRPr>
+          </a:p>
+          <a:p>
+            <a:pPr marL="457200" indent="-457200">
+              <a:spcAft>
+                <a:spcPts val="1200"/>
+              </a:spcAft>
+              <a:buFont typeface="Wingdings" pitchFamily="2" charset="2"/>
+              <a:buChar char="§"/>
+            </a:pPr>
+            <a:r>
+              <a:rPr lang="en-US" sz="2000" b="0" i="0" dirty="0">
+                <a:solidFill>
+                  <a:srgbClr val="273239"/>
+                </a:solidFill>
+                <a:effectLst/>
+                <a:highlight>
+                  <a:srgbClr val="FFFFFF"/>
+                </a:highlight>
+              </a:rPr>
+              <a:t>It allows you to manage state within functional components</a:t>
             </a:r>
             <a:endParaRPr lang="en-US" sz="2000" b="0" i="0" dirty="0">
               <a:solidFill>
@@ -5927,7 +6562,6 @@
               <a:highlight>
                 <a:srgbClr val="FFFFFF"/>
               </a:highlight>
-              <a:latin typeface="Arial" pitchFamily="34" charset="0"/>
               <a:cs typeface="Arial" pitchFamily="34" charset="0"/>
             </a:endParaRPr>
           </a:p>
@@ -5948,7 +6582,6 @@
                 <a:highlight>
                   <a:srgbClr val="FFFFFF"/>
                 </a:highlight>
-                <a:latin typeface="Nunito" pitchFamily="2" charset="0"/>
               </a:rPr>
               <a:t> It provides a way to </a:t>
             </a:r>
@@ -5961,7 +6594,6 @@
                 <a:highlight>
                   <a:srgbClr val="FFFFFF"/>
                 </a:highlight>
-                <a:latin typeface="Nunito" pitchFamily="2" charset="0"/>
               </a:rPr>
               <a:t>declare and manage state variables</a:t>
             </a:r>
@@ -5974,10 +6606,55 @@
                 <a:highlight>
                   <a:srgbClr val="FFFFFF"/>
                 </a:highlight>
-                <a:latin typeface="Nunito" pitchFamily="2" charset="0"/>
               </a:rPr>
               <a:t> directly within a function component.</a:t>
             </a:r>
+          </a:p>
+          <a:p>
+            <a:pPr marL="457200" indent="-457200">
+              <a:spcAft>
+                <a:spcPts val="1200"/>
+              </a:spcAft>
+              <a:buFont typeface="Wingdings" pitchFamily="2" charset="2"/>
+              <a:buChar char="§"/>
+            </a:pPr>
+            <a:r>
+              <a:rPr lang="en-US" sz="2000" dirty="0"/>
+              <a:t>Before hooks, state could only be used in </a:t>
+            </a:r>
+            <a:r>
+              <a:rPr lang="en-US" sz="2000" b="1" dirty="0"/>
+              <a:t>class components</a:t>
+            </a:r>
+            <a:r>
+              <a:rPr lang="en-US" sz="2000" dirty="0"/>
+              <a:t>. With </a:t>
+            </a:r>
+            <a:r>
+              <a:rPr lang="en-US" sz="2000" dirty="0" err="1"/>
+              <a:t>usestate</a:t>
+            </a:r>
+            <a:r>
+              <a:rPr lang="en-US" sz="2000" dirty="0"/>
+              <a:t>, you can now manage local state in </a:t>
+            </a:r>
+            <a:r>
+              <a:rPr lang="en-US" sz="2000" b="1" dirty="0"/>
+              <a:t>function components</a:t>
+            </a:r>
+            <a:r>
+              <a:rPr lang="en-US" sz="2000" dirty="0"/>
+              <a:t>.</a:t>
+            </a:r>
+            <a:endParaRPr lang="en-US" sz="2000" b="0" i="0" dirty="0">
+              <a:solidFill>
+                <a:srgbClr val="273239"/>
+              </a:solidFill>
+              <a:effectLst/>
+              <a:highlight>
+                <a:srgbClr val="FFFFFF"/>
+              </a:highlight>
+            </a:endParaRPr>
           </a:p>
           <a:p>
             <a:pPr marL="457200" indent="-457200">
@@ -5998,7 +6675,6 @@
                 <a:highlight>
                   <a:srgbClr val="FFFFFF"/>
                 </a:highlight>
-                <a:latin typeface="Arial" pitchFamily="34" charset="0"/>
                 <a:cs typeface="Arial" pitchFamily="34" charset="0"/>
               </a:rPr>
               <a:t>Importing the useState Hook</a:t>
@@ -6010,7 +6686,6 @@
               <a:highlight>
                 <a:srgbClr val="FFFFFF"/>
               </a:highlight>
-              <a:latin typeface="Nunito" pitchFamily="2" charset="0"/>
               <a:cs typeface="Arial" pitchFamily="34" charset="0"/>
             </a:endParaRPr>
           </a:p>
@@ -6023,7 +6698,7 @@
               <a:buChar char="§"/>
             </a:pPr>
             <a:r>
-              <a:rPr lang="en-US" sz="2000" dirty="0">
+              <a:rPr lang="en-US" sz="2000" b="1" dirty="0">
                 <a:solidFill>
                   <a:schemeClr val="tx1">
                     <a:lumMod val="65000"/>
@@ -6033,7 +6708,6 @@
                 <a:highlight>
                   <a:srgbClr val="FFFFFF"/>
                 </a:highlight>
-                <a:latin typeface="Arial" pitchFamily="34" charset="0"/>
                 <a:cs typeface="Arial" pitchFamily="34" charset="0"/>
               </a:rPr>
               <a:t>import { useState } from "react";</a:t>
@@ -6047,8 +6721,71 @@
               <a:buFont typeface="Wingdings" pitchFamily="2" charset="2"/>
               <a:buChar char="§"/>
             </a:pPr>
-            <a:r>
-              <a:rPr lang="en-US" sz="2000" dirty="0">
+            <a:endParaRPr lang="en-US" sz="2000" b="1" dirty="0">
+              <a:solidFill>
+                <a:schemeClr val="tx1">
+                  <a:lumMod val="65000"/>
+                  <a:lumOff val="35000"/>
+                </a:schemeClr>
+              </a:solidFill>
+              <a:highlight>
+                <a:srgbClr val="FFFFFF"/>
+              </a:highlight>
+              <a:cs typeface="Arial" pitchFamily="34" charset="0"/>
+            </a:endParaRPr>
+          </a:p>
+          <a:p>
+            <a:pPr marL="457200" indent="-457200">
+              <a:spcAft>
+                <a:spcPts val="1200"/>
+              </a:spcAft>
+              <a:buFont typeface="Wingdings" pitchFamily="2" charset="2"/>
+              <a:buChar char="§"/>
+            </a:pPr>
+            <a:endParaRPr lang="en-US" sz="2000" b="1" dirty="0">
+              <a:solidFill>
+                <a:schemeClr val="tx1">
+                  <a:lumMod val="65000"/>
+                  <a:lumOff val="35000"/>
+                </a:schemeClr>
+              </a:solidFill>
+              <a:highlight>
+                <a:srgbClr val="FFFFFF"/>
+              </a:highlight>
+              <a:cs typeface="Arial" pitchFamily="34" charset="0"/>
+            </a:endParaRPr>
+          </a:p>
+          <a:p>
+            <a:pPr marL="457200" indent="-457200">
+              <a:spcAft>
+                <a:spcPts val="1200"/>
+              </a:spcAft>
+              <a:buFont typeface="Wingdings" pitchFamily="2" charset="2"/>
+              <a:buChar char="§"/>
+            </a:pPr>
+            <a:endParaRPr lang="en-US" sz="2000" b="1" dirty="0">
+              <a:solidFill>
+                <a:schemeClr val="tx1">
+                  <a:lumMod val="65000"/>
+                  <a:lumOff val="35000"/>
+                </a:schemeClr>
+              </a:solidFill>
+              <a:highlight>
+                <a:srgbClr val="FFFFFF"/>
+              </a:highlight>
+              <a:cs typeface="Arial" pitchFamily="34" charset="0"/>
+            </a:endParaRPr>
+          </a:p>
+          <a:p>
+            <a:pPr marL="457200" indent="-457200">
+              <a:spcAft>
+                <a:spcPts val="1200"/>
+              </a:spcAft>
+              <a:buFont typeface="Wingdings" pitchFamily="2" charset="2"/>
+              <a:buChar char="§"/>
+            </a:pPr>
+            <a:r>
+              <a:rPr lang="en-US" sz="2000" b="1" dirty="0">
                 <a:solidFill>
                   <a:schemeClr val="tx1">
                     <a:lumMod val="65000"/>
@@ -6058,22 +6795,25 @@
                 <a:highlight>
                   <a:srgbClr val="FFFFFF"/>
                 </a:highlight>
-                <a:latin typeface="Arial" pitchFamily="34" charset="0"/>
                 <a:cs typeface="Arial" pitchFamily="34" charset="0"/>
               </a:rPr>
-              <a:t>This hook takes some initial state and returns two value. The first value contains the state and the second value is a function that updates the state. The value passed in useState will be treated as the default value.</a:t>
-            </a:r>
-          </a:p>
-          <a:p>
-            <a:pPr marL="457200" indent="-457200">
-              <a:spcAft>
-                <a:spcPts val="1200"/>
-              </a:spcAft>
-              <a:buFont typeface="Wingdings" pitchFamily="2" charset="2"/>
-              <a:buChar char="§"/>
-            </a:pPr>
-            <a:r>
-              <a:rPr lang="en-US" sz="2000" dirty="0">
+              <a:t>State: </a:t>
+            </a:r>
+            <a:r>
+              <a:rPr lang="en-US" sz="2000" dirty="0"/>
+              <a:t>name of the state.</a:t>
+            </a:r>
+          </a:p>
+          <a:p>
+            <a:pPr marL="457200" indent="-457200">
+              <a:spcAft>
+                <a:spcPts val="1200"/>
+              </a:spcAft>
+              <a:buFont typeface="Wingdings" pitchFamily="2" charset="2"/>
+              <a:buChar char="§"/>
+            </a:pPr>
+            <a:r>
+              <a:rPr lang="en-US" sz="2000" b="1" dirty="0" err="1">
                 <a:solidFill>
                   <a:schemeClr val="tx1">
                     <a:lumMod val="65000"/>
@@ -6083,13 +6823,12 @@
                 <a:highlight>
                   <a:srgbClr val="FFFFFF"/>
                 </a:highlight>
-                <a:latin typeface="Arial" pitchFamily="34" charset="0"/>
                 <a:cs typeface="Arial" pitchFamily="34" charset="0"/>
               </a:rPr>
-              <a:t>const [var, </a:t>
-            </a:r>
-            <a:r>
-              <a:rPr lang="en-US" sz="2000" dirty="0" err="1">
+              <a:t>setState</a:t>
+            </a:r>
+            <a:r>
+              <a:rPr lang="en-US" sz="2000" b="1" dirty="0">
                 <a:solidFill>
                   <a:schemeClr val="tx1">
                     <a:lumMod val="65000"/>
@@ -6099,27 +6838,257 @@
                 <a:highlight>
                   <a:srgbClr val="FFFFFF"/>
                 </a:highlight>
-                <a:latin typeface="Arial" pitchFamily="34" charset="0"/>
                 <a:cs typeface="Arial" pitchFamily="34" charset="0"/>
               </a:rPr>
-              <a:t>setVar</a:t>
+              <a:t>: </a:t>
             </a:r>
             <a:r>
               <a:rPr lang="en-US" sz="2000" dirty="0">
-                <a:solidFill>
-                  <a:schemeClr val="tx1">
-                    <a:lumMod val="65000"/>
-                    <a:lumOff val="35000"/>
-                  </a:schemeClr>
-                </a:solidFill>
                 <a:highlight>
                   <a:srgbClr val="FFFFFF"/>
                 </a:highlight>
-                <a:latin typeface="Arial" pitchFamily="34" charset="0"/>
-                <a:cs typeface="Arial" pitchFamily="34" charset="0"/>
-              </a:rPr>
-              <a:t>] = useState(0);</a:t>
-            </a:r>
+              </a:rPr>
+              <a:t>Function used to update the state.</a:t>
+            </a:r>
+          </a:p>
+          <a:p>
+            <a:pPr marL="457200" indent="-457200">
+              <a:spcAft>
+                <a:spcPts val="1200"/>
+              </a:spcAft>
+              <a:buFont typeface="Wingdings" pitchFamily="2" charset="2"/>
+              <a:buChar char="§"/>
+            </a:pPr>
+            <a:r>
+              <a:rPr lang="en-US" sz="2000" b="1" dirty="0" err="1">
+                <a:highlight>
+                  <a:srgbClr val="FFFFFF"/>
+                </a:highlight>
+              </a:rPr>
+              <a:t>initialValue</a:t>
+            </a:r>
+            <a:r>
+              <a:rPr lang="en-US" sz="2000" b="1" dirty="0">
+                <a:highlight>
+                  <a:srgbClr val="FFFFFF"/>
+                </a:highlight>
+              </a:rPr>
+              <a:t>: </a:t>
+            </a:r>
+            <a:r>
+              <a:rPr lang="en-US" sz="2000" dirty="0">
+                <a:highlight>
+                  <a:srgbClr val="FFFFFF"/>
+                </a:highlight>
+              </a:rPr>
+              <a:t>The starting value for the state.</a:t>
+            </a:r>
+          </a:p>
+          <a:p>
+            <a:pPr marL="457200" indent="-457200">
+              <a:spcAft>
+                <a:spcPts val="1200"/>
+              </a:spcAft>
+              <a:buFont typeface="Wingdings" pitchFamily="2" charset="2"/>
+              <a:buChar char="§"/>
+            </a:pPr>
+            <a:r>
+              <a:rPr lang="en-US" sz="2000" dirty="0" err="1">
+                <a:highlight>
+                  <a:srgbClr val="FFFFFF"/>
+                </a:highlight>
+              </a:rPr>
+              <a:t>Note:Every</a:t>
+            </a:r>
+            <a:r>
+              <a:rPr lang="en-US" sz="2000" dirty="0">
+                <a:highlight>
+                  <a:srgbClr val="FFFFFF"/>
+                </a:highlight>
+              </a:rPr>
+              <a:t> time you call, </a:t>
+            </a:r>
+            <a:r>
+              <a:rPr lang="en-US" sz="2000" dirty="0" err="1">
+                <a:highlight>
+                  <a:srgbClr val="FFFFFF"/>
+                </a:highlight>
+              </a:rPr>
+              <a:t>setState</a:t>
+            </a:r>
+            <a:r>
+              <a:rPr lang="en-US" sz="2000" dirty="0">
+                <a:highlight>
+                  <a:srgbClr val="FFFFFF"/>
+                </a:highlight>
+              </a:rPr>
+              <a:t>, React</a:t>
+            </a:r>
+          </a:p>
+          <a:p>
+            <a:pPr marL="914400" lvl="1" indent="-457200">
+              <a:spcAft>
+                <a:spcPts val="1200"/>
+              </a:spcAft>
+              <a:buFont typeface="Wingdings" pitchFamily="2" charset="2"/>
+              <a:buChar char="§"/>
+            </a:pPr>
+            <a:r>
+              <a:rPr lang="en-US" sz="2000" dirty="0">
+                <a:highlight>
+                  <a:srgbClr val="FFFFFF"/>
+                </a:highlight>
+              </a:rPr>
+              <a:t>Update the state values</a:t>
+            </a:r>
+          </a:p>
+          <a:p>
+            <a:pPr marL="914400" lvl="1" indent="-457200">
+              <a:spcAft>
+                <a:spcPts val="1200"/>
+              </a:spcAft>
+              <a:buFont typeface="Wingdings" pitchFamily="2" charset="2"/>
+              <a:buChar char="§"/>
+            </a:pPr>
+            <a:r>
+              <a:rPr lang="en-US" sz="2000" dirty="0"/>
+              <a:t>Re-renders the component with the new state</a:t>
+            </a:r>
+            <a:endParaRPr lang="en-US" sz="2000" dirty="0">
+              <a:highlight>
+                <a:srgbClr val="FFFFFF"/>
+              </a:highlight>
+            </a:endParaRPr>
+          </a:p>
+          <a:p>
+            <a:pPr marL="457200" indent="-457200">
+              <a:spcAft>
+                <a:spcPts val="1200"/>
+              </a:spcAft>
+              <a:buFont typeface="Wingdings" pitchFamily="2" charset="2"/>
+              <a:buChar char="§"/>
+            </a:pPr>
+            <a:endParaRPr lang="en-US" sz="2000" b="1" dirty="0">
+              <a:solidFill>
+                <a:schemeClr val="tx1">
+                  <a:lumMod val="65000"/>
+                  <a:lumOff val="35000"/>
+                </a:schemeClr>
+              </a:solidFill>
+              <a:highlight>
+                <a:srgbClr val="FFFFFF"/>
+              </a:highlight>
+              <a:latin typeface="Arial" pitchFamily="34" charset="0"/>
+              <a:cs typeface="Arial" pitchFamily="34" charset="0"/>
+            </a:endParaRPr>
+          </a:p>
+          <a:p>
+            <a:pPr marL="457200" indent="-457200">
+              <a:spcAft>
+                <a:spcPts val="1200"/>
+              </a:spcAft>
+              <a:buFont typeface="Wingdings" pitchFamily="2" charset="2"/>
+              <a:buChar char="§"/>
+            </a:pPr>
+            <a:endParaRPr lang="en-US" sz="2000" b="1" dirty="0">
+              <a:solidFill>
+                <a:schemeClr val="tx1">
+                  <a:lumMod val="65000"/>
+                  <a:lumOff val="35000"/>
+                </a:schemeClr>
+              </a:solidFill>
+              <a:highlight>
+                <a:srgbClr val="FFFFFF"/>
+              </a:highlight>
+              <a:latin typeface="Arial" pitchFamily="34" charset="0"/>
+              <a:cs typeface="Arial" pitchFamily="34" charset="0"/>
+            </a:endParaRPr>
+          </a:p>
+          <a:p>
+            <a:pPr marL="457200" indent="-457200">
+              <a:spcAft>
+                <a:spcPts val="1200"/>
+              </a:spcAft>
+              <a:buFont typeface="Wingdings" pitchFamily="2" charset="2"/>
+              <a:buChar char="§"/>
+            </a:pPr>
+            <a:endParaRPr lang="en-US" sz="2000" b="1" dirty="0">
+              <a:solidFill>
+                <a:schemeClr val="tx1">
+                  <a:lumMod val="65000"/>
+                  <a:lumOff val="35000"/>
+                </a:schemeClr>
+              </a:solidFill>
+              <a:highlight>
+                <a:srgbClr val="FFFFFF"/>
+              </a:highlight>
+              <a:latin typeface="Arial" pitchFamily="34" charset="0"/>
+              <a:cs typeface="Arial" pitchFamily="34" charset="0"/>
+            </a:endParaRPr>
+          </a:p>
+          <a:p>
+            <a:pPr marL="457200" indent="-457200">
+              <a:spcAft>
+                <a:spcPts val="1200"/>
+              </a:spcAft>
+              <a:buFont typeface="Wingdings" pitchFamily="2" charset="2"/>
+              <a:buChar char="§"/>
+            </a:pPr>
+            <a:endParaRPr lang="en-US" sz="2000" b="1" dirty="0">
+              <a:solidFill>
+                <a:schemeClr val="tx1">
+                  <a:lumMod val="65000"/>
+                  <a:lumOff val="35000"/>
+                </a:schemeClr>
+              </a:solidFill>
+              <a:highlight>
+                <a:srgbClr val="FFFFFF"/>
+              </a:highlight>
+              <a:latin typeface="Arial" pitchFamily="34" charset="0"/>
+              <a:cs typeface="Arial" pitchFamily="34" charset="0"/>
+            </a:endParaRPr>
+          </a:p>
+          <a:p>
+            <a:pPr marL="457200" indent="-457200">
+              <a:spcAft>
+                <a:spcPts val="1200"/>
+              </a:spcAft>
+              <a:buFont typeface="Wingdings" pitchFamily="2" charset="2"/>
+              <a:buChar char="§"/>
+            </a:pPr>
+            <a:endParaRPr lang="en-US" sz="2000" b="1" dirty="0">
+              <a:solidFill>
+                <a:schemeClr val="tx1">
+                  <a:lumMod val="65000"/>
+                  <a:lumOff val="35000"/>
+                </a:schemeClr>
+              </a:solidFill>
+              <a:highlight>
+                <a:srgbClr val="FFFFFF"/>
+              </a:highlight>
+              <a:latin typeface="Arial" pitchFamily="34" charset="0"/>
+              <a:cs typeface="Arial" pitchFamily="34" charset="0"/>
+            </a:endParaRPr>
+          </a:p>
+          <a:p>
+            <a:pPr>
+              <a:spcAft>
+                <a:spcPts val="1200"/>
+              </a:spcAft>
+            </a:pPr>
+            <a:endParaRPr lang="en-US" sz="2000" b="1" dirty="0">
+              <a:solidFill>
+                <a:schemeClr val="tx1">
+                  <a:lumMod val="65000"/>
+                  <a:lumOff val="35000"/>
+                </a:schemeClr>
+              </a:solidFill>
+              <a:highlight>
+                <a:srgbClr val="FFFFFF"/>
+              </a:highlight>
+              <a:latin typeface="Arial" pitchFamily="34" charset="0"/>
+              <a:cs typeface="Arial" pitchFamily="34" charset="0"/>
+            </a:endParaRPr>
           </a:p>
           <a:p>
             <a:pPr marL="457200" indent="-457200">
@@ -6142,6 +7111,36 @@
           </a:p>
         </p:txBody>
       </p:sp>
+      <p:pic>
+        <p:nvPicPr>
+          <p:cNvPr id="5" name="Picture 4">
+            <a:extLst>
+              <a:ext uri="{FF2B5EF4-FFF2-40B4-BE49-F238E27FC236}">
+                <a16:creationId xmlns:a16="http://schemas.microsoft.com/office/drawing/2014/main" id="{46791855-C811-7FD2-947C-5765CDC65FEE}"/>
+              </a:ext>
+            </a:extLst>
+          </p:cNvPr>
+          <p:cNvPicPr>
+            <a:picLocks noChangeAspect="1"/>
+          </p:cNvPicPr>
+          <p:nvPr/>
+        </p:nvPicPr>
+        <p:blipFill>
+          <a:blip r:embed="rId2"/>
+          <a:stretch>
+            <a:fillRect/>
+          </a:stretch>
+        </p:blipFill>
+        <p:spPr>
+          <a:xfrm>
+            <a:off x="914400" y="2981302"/>
+            <a:ext cx="4838949" cy="895396"/>
+          </a:xfrm>
+          <a:prstGeom prst="rect">
+            <a:avLst/>
+          </a:prstGeom>
+        </p:spPr>
+      </p:pic>
     </p:spTree>
     <p:extLst>
       <p:ext uri="{BB962C8B-B14F-4D97-AF65-F5344CB8AC3E}">
@@ -6159,6 +7158,1074 @@
 </file>
 
 <file path=ppt/slides/slide4.xml><?xml version="1.0" encoding="utf-8"?>
+<p:sld xmlns:a="http://schemas.openxmlformats.org/drawingml/2006/main" xmlns:r="http://schemas.openxmlformats.org/officeDocument/2006/relationships" xmlns:p="http://schemas.openxmlformats.org/presentationml/2006/main">
+  <p:cSld>
+    <p:bg>
+      <p:bgPr>
+        <a:noFill/>
+        <a:effectLst/>
+      </p:bgPr>
+    </p:bg>
+    <p:spTree>
+      <p:nvGrpSpPr>
+        <p:cNvPr id="1" name="">
+          <a:extLst>
+            <a:ext uri="{FF2B5EF4-FFF2-40B4-BE49-F238E27FC236}">
+              <a16:creationId xmlns:a16="http://schemas.microsoft.com/office/drawing/2014/main" id="{F4CF27E5-BFE6-C6DB-49E9-4FBB2C16E225}"/>
+            </a:ext>
+          </a:extLst>
+        </p:cNvPr>
+        <p:cNvGrpSpPr/>
+        <p:nvPr/>
+      </p:nvGrpSpPr>
+      <p:grpSpPr>
+        <a:xfrm>
+          <a:off x="0" y="0"/>
+          <a:ext cx="0" cy="0"/>
+          <a:chOff x="0" y="0"/>
+          <a:chExt cx="0" cy="0"/>
+        </a:xfrm>
+      </p:grpSpPr>
+      <p:sp>
+        <p:nvSpPr>
+          <p:cNvPr id="4" name="Rectangle 3">
+            <a:extLst>
+              <a:ext uri="{FF2B5EF4-FFF2-40B4-BE49-F238E27FC236}">
+                <a16:creationId xmlns:a16="http://schemas.microsoft.com/office/drawing/2014/main" id="{573C69A4-34A9-E7A5-3F38-90C9B8133A0B}"/>
+              </a:ext>
+            </a:extLst>
+          </p:cNvPr>
+          <p:cNvSpPr/>
+          <p:nvPr/>
+        </p:nvSpPr>
+        <p:spPr>
+          <a:xfrm>
+            <a:off x="0" y="0"/>
+            <a:ext cx="9144000" cy="609600"/>
+          </a:xfrm>
+          <a:prstGeom prst="rect">
+            <a:avLst/>
+          </a:prstGeom>
+        </p:spPr>
+        <p:style>
+          <a:lnRef idx="0">
+            <a:schemeClr val="accent1"/>
+          </a:lnRef>
+          <a:fillRef idx="3">
+            <a:schemeClr val="accent1"/>
+          </a:fillRef>
+          <a:effectRef idx="3">
+            <a:schemeClr val="accent1"/>
+          </a:effectRef>
+          <a:fontRef idx="minor">
+            <a:schemeClr val="lt1"/>
+          </a:fontRef>
+        </p:style>
+        <p:txBody>
+          <a:bodyPr rtlCol="0" anchor="ctr"/>
+          <a:lstStyle/>
+          <a:p>
+            <a:pPr algn="r"/>
+            <a:r>
+              <a:rPr lang="en-US" sz="2700" dirty="0">
+                <a:latin typeface="Berlin Sans FB Demi" pitchFamily="34" charset="0"/>
+              </a:rPr>
+              <a:t>Using Different Types of State</a:t>
+            </a:r>
+          </a:p>
+        </p:txBody>
+      </p:sp>
+      <p:sp>
+        <p:nvSpPr>
+          <p:cNvPr id="7" name="Content Placeholder 2">
+            <a:extLst>
+              <a:ext uri="{FF2B5EF4-FFF2-40B4-BE49-F238E27FC236}">
+                <a16:creationId xmlns:a16="http://schemas.microsoft.com/office/drawing/2014/main" id="{61EF084C-4FFE-324C-69E6-3088FF836361}"/>
+              </a:ext>
+            </a:extLst>
+          </p:cNvPr>
+          <p:cNvSpPr txBox="1">
+            <a:spLocks/>
+          </p:cNvSpPr>
+          <p:nvPr/>
+        </p:nvSpPr>
+        <p:spPr>
+          <a:xfrm>
+            <a:off x="381000" y="685801"/>
+            <a:ext cx="8458200" cy="5867400"/>
+          </a:xfrm>
+          <a:prstGeom prst="rect">
+            <a:avLst/>
+          </a:prstGeom>
+        </p:spPr>
+        <p:txBody>
+          <a:bodyPr vert="horz" lIns="91440" tIns="45720" rIns="91440" bIns="45720" rtlCol="0">
+            <a:normAutofit/>
+          </a:bodyPr>
+          <a:lstStyle/>
+          <a:p>
+            <a:pPr marL="457200" indent="-457200">
+              <a:spcAft>
+                <a:spcPts val="1200"/>
+              </a:spcAft>
+              <a:buFont typeface="Wingdings" pitchFamily="2" charset="2"/>
+              <a:buChar char="§"/>
+            </a:pPr>
+            <a:endParaRPr lang="en-US" sz="2000" b="1" dirty="0">
+              <a:solidFill>
+                <a:schemeClr val="tx1">
+                  <a:lumMod val="65000"/>
+                  <a:lumOff val="35000"/>
+                </a:schemeClr>
+              </a:solidFill>
+              <a:highlight>
+                <a:srgbClr val="FFFFFF"/>
+              </a:highlight>
+              <a:cs typeface="Arial" pitchFamily="34" charset="0"/>
+            </a:endParaRPr>
+          </a:p>
+          <a:p>
+            <a:pPr marL="457200" indent="-457200">
+              <a:spcAft>
+                <a:spcPts val="1200"/>
+              </a:spcAft>
+              <a:buFont typeface="Wingdings" pitchFamily="2" charset="2"/>
+              <a:buChar char="§"/>
+            </a:pPr>
+            <a:endParaRPr lang="en-US" sz="2000" b="1" dirty="0">
+              <a:solidFill>
+                <a:schemeClr val="tx1">
+                  <a:lumMod val="65000"/>
+                  <a:lumOff val="35000"/>
+                </a:schemeClr>
+              </a:solidFill>
+              <a:highlight>
+                <a:srgbClr val="FFFFFF"/>
+              </a:highlight>
+              <a:cs typeface="Arial" pitchFamily="34" charset="0"/>
+            </a:endParaRPr>
+          </a:p>
+          <a:p>
+            <a:pPr marL="457200" indent="-457200">
+              <a:spcAft>
+                <a:spcPts val="1200"/>
+              </a:spcAft>
+              <a:buFont typeface="Wingdings" pitchFamily="2" charset="2"/>
+              <a:buChar char="§"/>
+            </a:pPr>
+            <a:endParaRPr lang="en-US" sz="2000" b="1" dirty="0">
+              <a:solidFill>
+                <a:schemeClr val="tx1">
+                  <a:lumMod val="65000"/>
+                  <a:lumOff val="35000"/>
+                </a:schemeClr>
+              </a:solidFill>
+              <a:highlight>
+                <a:srgbClr val="FFFFFF"/>
+              </a:highlight>
+              <a:cs typeface="Arial" pitchFamily="34" charset="0"/>
+            </a:endParaRPr>
+          </a:p>
+          <a:p>
+            <a:pPr marL="457200" indent="-457200">
+              <a:spcAft>
+                <a:spcPts val="1200"/>
+              </a:spcAft>
+              <a:buFont typeface="Wingdings" pitchFamily="2" charset="2"/>
+              <a:buChar char="§"/>
+            </a:pPr>
+            <a:endParaRPr lang="en-US" sz="2000" b="1" dirty="0">
+              <a:solidFill>
+                <a:schemeClr val="tx1">
+                  <a:lumMod val="65000"/>
+                  <a:lumOff val="35000"/>
+                </a:schemeClr>
+              </a:solidFill>
+              <a:highlight>
+                <a:srgbClr val="FFFFFF"/>
+              </a:highlight>
+              <a:latin typeface="Arial" pitchFamily="34" charset="0"/>
+              <a:cs typeface="Arial" pitchFamily="34" charset="0"/>
+            </a:endParaRPr>
+          </a:p>
+          <a:p>
+            <a:pPr marL="457200" indent="-457200">
+              <a:spcAft>
+                <a:spcPts val="1200"/>
+              </a:spcAft>
+              <a:buFont typeface="Wingdings" pitchFamily="2" charset="2"/>
+              <a:buChar char="§"/>
+            </a:pPr>
+            <a:endParaRPr lang="en-US" sz="2000" b="1" dirty="0">
+              <a:solidFill>
+                <a:schemeClr val="tx1">
+                  <a:lumMod val="65000"/>
+                  <a:lumOff val="35000"/>
+                </a:schemeClr>
+              </a:solidFill>
+              <a:highlight>
+                <a:srgbClr val="FFFFFF"/>
+              </a:highlight>
+              <a:latin typeface="Arial" pitchFamily="34" charset="0"/>
+              <a:cs typeface="Arial" pitchFamily="34" charset="0"/>
+            </a:endParaRPr>
+          </a:p>
+          <a:p>
+            <a:pPr marL="457200" indent="-457200">
+              <a:spcAft>
+                <a:spcPts val="1200"/>
+              </a:spcAft>
+              <a:buFont typeface="Wingdings" pitchFamily="2" charset="2"/>
+              <a:buChar char="§"/>
+            </a:pPr>
+            <a:endParaRPr lang="en-US" sz="2000" b="1" dirty="0">
+              <a:solidFill>
+                <a:schemeClr val="tx1">
+                  <a:lumMod val="65000"/>
+                  <a:lumOff val="35000"/>
+                </a:schemeClr>
+              </a:solidFill>
+              <a:highlight>
+                <a:srgbClr val="FFFFFF"/>
+              </a:highlight>
+              <a:latin typeface="Arial" pitchFamily="34" charset="0"/>
+              <a:cs typeface="Arial" pitchFamily="34" charset="0"/>
+            </a:endParaRPr>
+          </a:p>
+          <a:p>
+            <a:pPr marL="457200" indent="-457200">
+              <a:spcAft>
+                <a:spcPts val="1200"/>
+              </a:spcAft>
+              <a:buFont typeface="Wingdings" pitchFamily="2" charset="2"/>
+              <a:buChar char="§"/>
+            </a:pPr>
+            <a:endParaRPr lang="en-US" sz="2000" b="1" dirty="0">
+              <a:solidFill>
+                <a:schemeClr val="tx1">
+                  <a:lumMod val="65000"/>
+                  <a:lumOff val="35000"/>
+                </a:schemeClr>
+              </a:solidFill>
+              <a:highlight>
+                <a:srgbClr val="FFFFFF"/>
+              </a:highlight>
+              <a:latin typeface="Arial" pitchFamily="34" charset="0"/>
+              <a:cs typeface="Arial" pitchFamily="34" charset="0"/>
+            </a:endParaRPr>
+          </a:p>
+          <a:p>
+            <a:pPr marL="457200" indent="-457200">
+              <a:spcAft>
+                <a:spcPts val="1200"/>
+              </a:spcAft>
+              <a:buFont typeface="Wingdings" pitchFamily="2" charset="2"/>
+              <a:buChar char="§"/>
+            </a:pPr>
+            <a:endParaRPr lang="en-US" sz="2000" b="1" dirty="0">
+              <a:solidFill>
+                <a:schemeClr val="tx1">
+                  <a:lumMod val="65000"/>
+                  <a:lumOff val="35000"/>
+                </a:schemeClr>
+              </a:solidFill>
+              <a:highlight>
+                <a:srgbClr val="FFFFFF"/>
+              </a:highlight>
+              <a:latin typeface="Arial" pitchFamily="34" charset="0"/>
+              <a:cs typeface="Arial" pitchFamily="34" charset="0"/>
+            </a:endParaRPr>
+          </a:p>
+          <a:p>
+            <a:pPr marL="457200" indent="-457200">
+              <a:spcAft>
+                <a:spcPts val="1200"/>
+              </a:spcAft>
+              <a:buFont typeface="Wingdings" pitchFamily="2" charset="2"/>
+              <a:buChar char="§"/>
+            </a:pPr>
+            <a:endParaRPr lang="en-US" sz="2000" b="1" dirty="0">
+              <a:solidFill>
+                <a:schemeClr val="tx1">
+                  <a:lumMod val="65000"/>
+                  <a:lumOff val="35000"/>
+                </a:schemeClr>
+              </a:solidFill>
+              <a:highlight>
+                <a:srgbClr val="FFFFFF"/>
+              </a:highlight>
+              <a:latin typeface="Arial" pitchFamily="34" charset="0"/>
+              <a:cs typeface="Arial" pitchFamily="34" charset="0"/>
+            </a:endParaRPr>
+          </a:p>
+          <a:p>
+            <a:pPr marL="457200" indent="-457200">
+              <a:spcAft>
+                <a:spcPts val="1200"/>
+              </a:spcAft>
+              <a:buFont typeface="Wingdings" pitchFamily="2" charset="2"/>
+              <a:buChar char="§"/>
+            </a:pPr>
+            <a:endParaRPr lang="en-US" sz="2000" b="1" dirty="0">
+              <a:solidFill>
+                <a:schemeClr val="tx1">
+                  <a:lumMod val="65000"/>
+                  <a:lumOff val="35000"/>
+                </a:schemeClr>
+              </a:solidFill>
+              <a:highlight>
+                <a:srgbClr val="FFFFFF"/>
+              </a:highlight>
+              <a:latin typeface="Arial" pitchFamily="34" charset="0"/>
+              <a:cs typeface="Arial" pitchFamily="34" charset="0"/>
+            </a:endParaRPr>
+          </a:p>
+          <a:p>
+            <a:pPr>
+              <a:spcAft>
+                <a:spcPts val="1200"/>
+              </a:spcAft>
+            </a:pPr>
+            <a:endParaRPr lang="en-US" sz="2000" b="1" dirty="0">
+              <a:solidFill>
+                <a:schemeClr val="tx1">
+                  <a:lumMod val="65000"/>
+                  <a:lumOff val="35000"/>
+                </a:schemeClr>
+              </a:solidFill>
+              <a:highlight>
+                <a:srgbClr val="FFFFFF"/>
+              </a:highlight>
+              <a:latin typeface="Arial" pitchFamily="34" charset="0"/>
+              <a:cs typeface="Arial" pitchFamily="34" charset="0"/>
+            </a:endParaRPr>
+          </a:p>
+          <a:p>
+            <a:pPr marL="457200" indent="-457200">
+              <a:spcAft>
+                <a:spcPts val="1200"/>
+              </a:spcAft>
+              <a:buFont typeface="Wingdings" pitchFamily="2" charset="2"/>
+              <a:buChar char="§"/>
+            </a:pPr>
+            <a:endParaRPr lang="en-US" sz="2000" dirty="0">
+              <a:solidFill>
+                <a:schemeClr val="tx1">
+                  <a:lumMod val="65000"/>
+                  <a:lumOff val="35000"/>
+                </a:schemeClr>
+              </a:solidFill>
+              <a:latin typeface="Arial" pitchFamily="34" charset="0"/>
+              <a:cs typeface="Arial" pitchFamily="34" charset="0"/>
+            </a:endParaRPr>
+          </a:p>
+        </p:txBody>
+      </p:sp>
+      <p:pic>
+        <p:nvPicPr>
+          <p:cNvPr id="8" name="Picture 7">
+            <a:extLst>
+              <a:ext uri="{FF2B5EF4-FFF2-40B4-BE49-F238E27FC236}">
+                <a16:creationId xmlns:a16="http://schemas.microsoft.com/office/drawing/2014/main" id="{96E6704E-D76E-D2FE-0536-6D36D9ABA452}"/>
+              </a:ext>
+            </a:extLst>
+          </p:cNvPr>
+          <p:cNvPicPr>
+            <a:picLocks noChangeAspect="1"/>
+          </p:cNvPicPr>
+          <p:nvPr/>
+        </p:nvPicPr>
+        <p:blipFill>
+          <a:blip r:embed="rId2"/>
+          <a:stretch>
+            <a:fillRect/>
+          </a:stretch>
+        </p:blipFill>
+        <p:spPr>
+          <a:xfrm>
+            <a:off x="1752600" y="990600"/>
+            <a:ext cx="4845299" cy="3645087"/>
+          </a:xfrm>
+          <a:prstGeom prst="rect">
+            <a:avLst/>
+          </a:prstGeom>
+        </p:spPr>
+      </p:pic>
+      <p:pic>
+        <p:nvPicPr>
+          <p:cNvPr id="10" name="Picture 9">
+            <a:extLst>
+              <a:ext uri="{FF2B5EF4-FFF2-40B4-BE49-F238E27FC236}">
+                <a16:creationId xmlns:a16="http://schemas.microsoft.com/office/drawing/2014/main" id="{520E6D8E-3C42-1F6E-DECB-A68A7B85B770}"/>
+              </a:ext>
+            </a:extLst>
+          </p:cNvPr>
+          <p:cNvPicPr>
+            <a:picLocks noChangeAspect="1"/>
+          </p:cNvPicPr>
+          <p:nvPr/>
+        </p:nvPicPr>
+        <p:blipFill>
+          <a:blip r:embed="rId3"/>
+          <a:stretch>
+            <a:fillRect/>
+          </a:stretch>
+        </p:blipFill>
+        <p:spPr>
+          <a:xfrm>
+            <a:off x="1790702" y="4940486"/>
+            <a:ext cx="4807197" cy="1416123"/>
+          </a:xfrm>
+          <a:prstGeom prst="rect">
+            <a:avLst/>
+          </a:prstGeom>
+        </p:spPr>
+      </p:pic>
+    </p:spTree>
+    <p:extLst>
+      <p:ext uri="{BB962C8B-B14F-4D97-AF65-F5344CB8AC3E}">
+        <p14:creationId xmlns:p14="http://schemas.microsoft.com/office/powerpoint/2010/main" val="1752510420"/>
+      </p:ext>
+    </p:extLst>
+  </p:cSld>
+  <p:clrMapOvr>
+    <a:masterClrMapping/>
+  </p:clrMapOvr>
+  <p:transition>
+    <p:push dir="d"/>
+  </p:transition>
+</p:sld>
+</file>
+
+<file path=ppt/slides/slide5.xml><?xml version="1.0" encoding="utf-8"?>
+<p:sld xmlns:a="http://schemas.openxmlformats.org/drawingml/2006/main" xmlns:r="http://schemas.openxmlformats.org/officeDocument/2006/relationships" xmlns:p="http://schemas.openxmlformats.org/presentationml/2006/main">
+  <p:cSld>
+    <p:bg>
+      <p:bgPr>
+        <a:noFill/>
+        <a:effectLst/>
+      </p:bgPr>
+    </p:bg>
+    <p:spTree>
+      <p:nvGrpSpPr>
+        <p:cNvPr id="1" name="">
+          <a:extLst>
+            <a:ext uri="{FF2B5EF4-FFF2-40B4-BE49-F238E27FC236}">
+              <a16:creationId xmlns:a16="http://schemas.microsoft.com/office/drawing/2014/main" id="{2DA7A18C-C061-9C56-9D5E-3AA32FC5FB72}"/>
+            </a:ext>
+          </a:extLst>
+        </p:cNvPr>
+        <p:cNvGrpSpPr/>
+        <p:nvPr/>
+      </p:nvGrpSpPr>
+      <p:grpSpPr>
+        <a:xfrm>
+          <a:off x="0" y="0"/>
+          <a:ext cx="0" cy="0"/>
+          <a:chOff x="0" y="0"/>
+          <a:chExt cx="0" cy="0"/>
+        </a:xfrm>
+      </p:grpSpPr>
+      <p:sp>
+        <p:nvSpPr>
+          <p:cNvPr id="4" name="Rectangle 3">
+            <a:extLst>
+              <a:ext uri="{FF2B5EF4-FFF2-40B4-BE49-F238E27FC236}">
+                <a16:creationId xmlns:a16="http://schemas.microsoft.com/office/drawing/2014/main" id="{C3922530-390A-EAF7-079E-F71D6FAC212A}"/>
+              </a:ext>
+            </a:extLst>
+          </p:cNvPr>
+          <p:cNvSpPr/>
+          <p:nvPr/>
+        </p:nvSpPr>
+        <p:spPr>
+          <a:xfrm>
+            <a:off x="0" y="0"/>
+            <a:ext cx="9144000" cy="609600"/>
+          </a:xfrm>
+          <a:prstGeom prst="rect">
+            <a:avLst/>
+          </a:prstGeom>
+        </p:spPr>
+        <p:style>
+          <a:lnRef idx="0">
+            <a:schemeClr val="accent1"/>
+          </a:lnRef>
+          <a:fillRef idx="3">
+            <a:schemeClr val="accent1"/>
+          </a:fillRef>
+          <a:effectRef idx="3">
+            <a:schemeClr val="accent1"/>
+          </a:effectRef>
+          <a:fontRef idx="minor">
+            <a:schemeClr val="lt1"/>
+          </a:fontRef>
+        </p:style>
+        <p:txBody>
+          <a:bodyPr rtlCol="0" anchor="ctr"/>
+          <a:lstStyle/>
+          <a:p>
+            <a:pPr algn="r"/>
+            <a:r>
+              <a:rPr lang="en-US" sz="2700" dirty="0">
+                <a:latin typeface="Berlin Sans FB Demi" pitchFamily="34" charset="0"/>
+              </a:rPr>
+              <a:t>Using Different Types of State</a:t>
+            </a:r>
+          </a:p>
+        </p:txBody>
+      </p:sp>
+      <p:sp>
+        <p:nvSpPr>
+          <p:cNvPr id="7" name="Content Placeholder 2">
+            <a:extLst>
+              <a:ext uri="{FF2B5EF4-FFF2-40B4-BE49-F238E27FC236}">
+                <a16:creationId xmlns:a16="http://schemas.microsoft.com/office/drawing/2014/main" id="{32DB9039-0194-D797-1325-38E28B5845E1}"/>
+              </a:ext>
+            </a:extLst>
+          </p:cNvPr>
+          <p:cNvSpPr txBox="1">
+            <a:spLocks/>
+          </p:cNvSpPr>
+          <p:nvPr/>
+        </p:nvSpPr>
+        <p:spPr>
+          <a:xfrm>
+            <a:off x="381000" y="685801"/>
+            <a:ext cx="8458200" cy="5867400"/>
+          </a:xfrm>
+          <a:prstGeom prst="rect">
+            <a:avLst/>
+          </a:prstGeom>
+        </p:spPr>
+        <p:txBody>
+          <a:bodyPr vert="horz" lIns="91440" tIns="45720" rIns="91440" bIns="45720" rtlCol="0">
+            <a:normAutofit/>
+          </a:bodyPr>
+          <a:lstStyle/>
+          <a:p>
+            <a:pPr marL="457200" indent="-457200">
+              <a:spcAft>
+                <a:spcPts val="1200"/>
+              </a:spcAft>
+              <a:buFont typeface="Wingdings" pitchFamily="2" charset="2"/>
+              <a:buChar char="§"/>
+            </a:pPr>
+            <a:endParaRPr lang="en-US" sz="2000" b="1" dirty="0">
+              <a:solidFill>
+                <a:schemeClr val="tx1">
+                  <a:lumMod val="65000"/>
+                  <a:lumOff val="35000"/>
+                </a:schemeClr>
+              </a:solidFill>
+              <a:highlight>
+                <a:srgbClr val="FFFFFF"/>
+              </a:highlight>
+              <a:cs typeface="Arial" pitchFamily="34" charset="0"/>
+            </a:endParaRPr>
+          </a:p>
+          <a:p>
+            <a:pPr marL="457200" indent="-457200">
+              <a:spcAft>
+                <a:spcPts val="1200"/>
+              </a:spcAft>
+              <a:buFont typeface="Wingdings" pitchFamily="2" charset="2"/>
+              <a:buChar char="§"/>
+            </a:pPr>
+            <a:endParaRPr lang="en-US" sz="2000" b="1" dirty="0">
+              <a:solidFill>
+                <a:schemeClr val="tx1">
+                  <a:lumMod val="65000"/>
+                  <a:lumOff val="35000"/>
+                </a:schemeClr>
+              </a:solidFill>
+              <a:highlight>
+                <a:srgbClr val="FFFFFF"/>
+              </a:highlight>
+              <a:cs typeface="Arial" pitchFamily="34" charset="0"/>
+            </a:endParaRPr>
+          </a:p>
+          <a:p>
+            <a:pPr marL="457200" indent="-457200">
+              <a:spcAft>
+                <a:spcPts val="1200"/>
+              </a:spcAft>
+              <a:buFont typeface="Wingdings" pitchFamily="2" charset="2"/>
+              <a:buChar char="§"/>
+            </a:pPr>
+            <a:endParaRPr lang="en-US" sz="2000" b="1" dirty="0">
+              <a:solidFill>
+                <a:schemeClr val="tx1">
+                  <a:lumMod val="65000"/>
+                  <a:lumOff val="35000"/>
+                </a:schemeClr>
+              </a:solidFill>
+              <a:highlight>
+                <a:srgbClr val="FFFFFF"/>
+              </a:highlight>
+              <a:cs typeface="Arial" pitchFamily="34" charset="0"/>
+            </a:endParaRPr>
+          </a:p>
+          <a:p>
+            <a:pPr marL="457200" indent="-457200">
+              <a:spcAft>
+                <a:spcPts val="1200"/>
+              </a:spcAft>
+              <a:buFont typeface="Wingdings" pitchFamily="2" charset="2"/>
+              <a:buChar char="§"/>
+            </a:pPr>
+            <a:endParaRPr lang="en-US" sz="2000" b="1" dirty="0">
+              <a:solidFill>
+                <a:schemeClr val="tx1">
+                  <a:lumMod val="65000"/>
+                  <a:lumOff val="35000"/>
+                </a:schemeClr>
+              </a:solidFill>
+              <a:highlight>
+                <a:srgbClr val="FFFFFF"/>
+              </a:highlight>
+              <a:latin typeface="Arial" pitchFamily="34" charset="0"/>
+              <a:cs typeface="Arial" pitchFamily="34" charset="0"/>
+            </a:endParaRPr>
+          </a:p>
+          <a:p>
+            <a:pPr marL="457200" indent="-457200">
+              <a:spcAft>
+                <a:spcPts val="1200"/>
+              </a:spcAft>
+              <a:buFont typeface="Wingdings" pitchFamily="2" charset="2"/>
+              <a:buChar char="§"/>
+            </a:pPr>
+            <a:endParaRPr lang="en-US" sz="2000" b="1" dirty="0">
+              <a:solidFill>
+                <a:schemeClr val="tx1">
+                  <a:lumMod val="65000"/>
+                  <a:lumOff val="35000"/>
+                </a:schemeClr>
+              </a:solidFill>
+              <a:highlight>
+                <a:srgbClr val="FFFFFF"/>
+              </a:highlight>
+              <a:latin typeface="Arial" pitchFamily="34" charset="0"/>
+              <a:cs typeface="Arial" pitchFamily="34" charset="0"/>
+            </a:endParaRPr>
+          </a:p>
+          <a:p>
+            <a:pPr marL="457200" indent="-457200">
+              <a:spcAft>
+                <a:spcPts val="1200"/>
+              </a:spcAft>
+              <a:buFont typeface="Wingdings" pitchFamily="2" charset="2"/>
+              <a:buChar char="§"/>
+            </a:pPr>
+            <a:endParaRPr lang="en-US" sz="2000" b="1" dirty="0">
+              <a:solidFill>
+                <a:schemeClr val="tx1">
+                  <a:lumMod val="65000"/>
+                  <a:lumOff val="35000"/>
+                </a:schemeClr>
+              </a:solidFill>
+              <a:highlight>
+                <a:srgbClr val="FFFFFF"/>
+              </a:highlight>
+              <a:latin typeface="Arial" pitchFamily="34" charset="0"/>
+              <a:cs typeface="Arial" pitchFamily="34" charset="0"/>
+            </a:endParaRPr>
+          </a:p>
+          <a:p>
+            <a:pPr marL="457200" indent="-457200">
+              <a:spcAft>
+                <a:spcPts val="1200"/>
+              </a:spcAft>
+              <a:buFont typeface="Wingdings" pitchFamily="2" charset="2"/>
+              <a:buChar char="§"/>
+            </a:pPr>
+            <a:endParaRPr lang="en-US" sz="2000" b="1" dirty="0">
+              <a:solidFill>
+                <a:schemeClr val="tx1">
+                  <a:lumMod val="65000"/>
+                  <a:lumOff val="35000"/>
+                </a:schemeClr>
+              </a:solidFill>
+              <a:highlight>
+                <a:srgbClr val="FFFFFF"/>
+              </a:highlight>
+              <a:latin typeface="Arial" pitchFamily="34" charset="0"/>
+              <a:cs typeface="Arial" pitchFamily="34" charset="0"/>
+            </a:endParaRPr>
+          </a:p>
+          <a:p>
+            <a:pPr marL="457200" indent="-457200">
+              <a:spcAft>
+                <a:spcPts val="1200"/>
+              </a:spcAft>
+              <a:buFont typeface="Wingdings" pitchFamily="2" charset="2"/>
+              <a:buChar char="§"/>
+            </a:pPr>
+            <a:endParaRPr lang="en-US" sz="2000" b="1" dirty="0">
+              <a:solidFill>
+                <a:schemeClr val="tx1">
+                  <a:lumMod val="65000"/>
+                  <a:lumOff val="35000"/>
+                </a:schemeClr>
+              </a:solidFill>
+              <a:highlight>
+                <a:srgbClr val="FFFFFF"/>
+              </a:highlight>
+              <a:latin typeface="Arial" pitchFamily="34" charset="0"/>
+              <a:cs typeface="Arial" pitchFamily="34" charset="0"/>
+            </a:endParaRPr>
+          </a:p>
+          <a:p>
+            <a:pPr marL="457200" indent="-457200">
+              <a:spcAft>
+                <a:spcPts val="1200"/>
+              </a:spcAft>
+              <a:buFont typeface="Wingdings" pitchFamily="2" charset="2"/>
+              <a:buChar char="§"/>
+            </a:pPr>
+            <a:endParaRPr lang="en-US" sz="2000" b="1" dirty="0">
+              <a:solidFill>
+                <a:schemeClr val="tx1">
+                  <a:lumMod val="65000"/>
+                  <a:lumOff val="35000"/>
+                </a:schemeClr>
+              </a:solidFill>
+              <a:highlight>
+                <a:srgbClr val="FFFFFF"/>
+              </a:highlight>
+              <a:latin typeface="Arial" pitchFamily="34" charset="0"/>
+              <a:cs typeface="Arial" pitchFamily="34" charset="0"/>
+            </a:endParaRPr>
+          </a:p>
+          <a:p>
+            <a:pPr marL="457200" indent="-457200">
+              <a:spcAft>
+                <a:spcPts val="1200"/>
+              </a:spcAft>
+              <a:buFont typeface="Wingdings" pitchFamily="2" charset="2"/>
+              <a:buChar char="§"/>
+            </a:pPr>
+            <a:endParaRPr lang="en-US" sz="2000" b="1" dirty="0">
+              <a:solidFill>
+                <a:schemeClr val="tx1">
+                  <a:lumMod val="65000"/>
+                  <a:lumOff val="35000"/>
+                </a:schemeClr>
+              </a:solidFill>
+              <a:highlight>
+                <a:srgbClr val="FFFFFF"/>
+              </a:highlight>
+              <a:latin typeface="Arial" pitchFamily="34" charset="0"/>
+              <a:cs typeface="Arial" pitchFamily="34" charset="0"/>
+            </a:endParaRPr>
+          </a:p>
+          <a:p>
+            <a:pPr>
+              <a:spcAft>
+                <a:spcPts val="1200"/>
+              </a:spcAft>
+            </a:pPr>
+            <a:endParaRPr lang="en-US" sz="2000" b="1" dirty="0">
+              <a:solidFill>
+                <a:schemeClr val="tx1">
+                  <a:lumMod val="65000"/>
+                  <a:lumOff val="35000"/>
+                </a:schemeClr>
+              </a:solidFill>
+              <a:highlight>
+                <a:srgbClr val="FFFFFF"/>
+              </a:highlight>
+              <a:latin typeface="Arial" pitchFamily="34" charset="0"/>
+              <a:cs typeface="Arial" pitchFamily="34" charset="0"/>
+            </a:endParaRPr>
+          </a:p>
+          <a:p>
+            <a:pPr marL="457200" indent="-457200">
+              <a:spcAft>
+                <a:spcPts val="1200"/>
+              </a:spcAft>
+              <a:buFont typeface="Wingdings" pitchFamily="2" charset="2"/>
+              <a:buChar char="§"/>
+            </a:pPr>
+            <a:endParaRPr lang="en-US" sz="2000" dirty="0">
+              <a:solidFill>
+                <a:schemeClr val="tx1">
+                  <a:lumMod val="65000"/>
+                  <a:lumOff val="35000"/>
+                </a:schemeClr>
+              </a:solidFill>
+              <a:latin typeface="Arial" pitchFamily="34" charset="0"/>
+              <a:cs typeface="Arial" pitchFamily="34" charset="0"/>
+            </a:endParaRPr>
+          </a:p>
+        </p:txBody>
+      </p:sp>
+      <p:graphicFrame>
+        <p:nvGraphicFramePr>
+          <p:cNvPr id="2" name="Table 1">
+            <a:extLst>
+              <a:ext uri="{FF2B5EF4-FFF2-40B4-BE49-F238E27FC236}">
+                <a16:creationId xmlns:a16="http://schemas.microsoft.com/office/drawing/2014/main" id="{C045EC97-362E-4F36-F22F-EC1B39B8ED6C}"/>
+              </a:ext>
+            </a:extLst>
+          </p:cNvPr>
+          <p:cNvGraphicFramePr>
+            <a:graphicFrameLocks noGrp="1"/>
+          </p:cNvGraphicFramePr>
+          <p:nvPr>
+            <p:extLst>
+              <p:ext uri="{D42A27DB-BD31-4B8C-83A1-F6EECF244321}">
+                <p14:modId xmlns:p14="http://schemas.microsoft.com/office/powerpoint/2010/main" val="2217099782"/>
+              </p:ext>
+            </p:extLst>
+          </p:nvPr>
+        </p:nvGraphicFramePr>
+        <p:xfrm>
+          <a:off x="609600" y="1397000"/>
+          <a:ext cx="7772400" cy="3860800"/>
+        </p:xfrm>
+        <a:graphic>
+          <a:graphicData uri="http://schemas.openxmlformats.org/drawingml/2006/table">
+            <a:tbl>
+              <a:tblPr firstRow="1" bandRow="1">
+                <a:tableStyleId>{5C22544A-7EE6-4342-B048-85BDC9FD1C3A}</a:tableStyleId>
+              </a:tblPr>
+              <a:tblGrid>
+                <a:gridCol w="3886200">
+                  <a:extLst>
+                    <a:ext uri="{9D8B030D-6E8A-4147-A177-3AD203B41FA5}">
+                      <a16:colId xmlns:a16="http://schemas.microsoft.com/office/drawing/2014/main" val="1191143034"/>
+                    </a:ext>
+                  </a:extLst>
+                </a:gridCol>
+                <a:gridCol w="3886200">
+                  <a:extLst>
+                    <a:ext uri="{9D8B030D-6E8A-4147-A177-3AD203B41FA5}">
+                      <a16:colId xmlns:a16="http://schemas.microsoft.com/office/drawing/2014/main" val="3784596069"/>
+                    </a:ext>
+                  </a:extLst>
+                </a:gridCol>
+              </a:tblGrid>
+              <a:tr h="574009">
+                <a:tc>
+                  <a:txBody>
+                    <a:bodyPr/>
+                    <a:lstStyle/>
+                    <a:p>
+                      <a:r>
+                        <a:rPr lang="en-US" dirty="0"/>
+                        <a:t>Feature</a:t>
+                      </a:r>
+                    </a:p>
+                  </a:txBody>
+                  <a:tcPr anchor="ctr"/>
+                </a:tc>
+                <a:tc>
+                  <a:txBody>
+                    <a:bodyPr/>
+                    <a:lstStyle/>
+                    <a:p>
+                      <a:r>
+                        <a:rPr lang="en-US"/>
+                        <a:t>useState</a:t>
+                      </a:r>
+                    </a:p>
+                  </a:txBody>
+                  <a:tcPr anchor="ctr"/>
+                </a:tc>
+                <a:extLst>
+                  <a:ext uri="{0D108BD9-81ED-4DB2-BD59-A6C34878D82A}">
+                    <a16:rowId xmlns:a16="http://schemas.microsoft.com/office/drawing/2014/main" val="3290494789"/>
+                  </a:ext>
+                </a:extLst>
+              </a:tr>
+              <a:tr h="990755">
+                <a:tc>
+                  <a:txBody>
+                    <a:bodyPr/>
+                    <a:lstStyle/>
+                    <a:p>
+                      <a:r>
+                        <a:rPr lang="en-US"/>
+                        <a:t>Purpose</a:t>
+                      </a:r>
+                    </a:p>
+                  </a:txBody>
+                  <a:tcPr anchor="ctr"/>
+                </a:tc>
+                <a:tc>
+                  <a:txBody>
+                    <a:bodyPr/>
+                    <a:lstStyle/>
+                    <a:p>
+                      <a:r>
+                        <a:rPr lang="en-US"/>
+                        <a:t>Manage local state in function components</a:t>
+                      </a:r>
+                    </a:p>
+                  </a:txBody>
+                  <a:tcPr anchor="ctr"/>
+                </a:tc>
+                <a:extLst>
+                  <a:ext uri="{0D108BD9-81ED-4DB2-BD59-A6C34878D82A}">
+                    <a16:rowId xmlns:a16="http://schemas.microsoft.com/office/drawing/2014/main" val="425561654"/>
+                  </a:ext>
+                </a:extLst>
+              </a:tr>
+              <a:tr h="574009">
+                <a:tc>
+                  <a:txBody>
+                    <a:bodyPr/>
+                    <a:lstStyle/>
+                    <a:p>
+                      <a:r>
+                        <a:rPr lang="en-US"/>
+                        <a:t>Returns</a:t>
+                      </a:r>
+                    </a:p>
+                  </a:txBody>
+                  <a:tcPr anchor="ctr"/>
+                </a:tc>
+                <a:tc>
+                  <a:txBody>
+                    <a:bodyPr/>
+                    <a:lstStyle/>
+                    <a:p>
+                      <a:r>
+                        <a:rPr lang="en-US"/>
+                        <a:t>[state, setState] array</a:t>
+                      </a:r>
+                    </a:p>
+                  </a:txBody>
+                  <a:tcPr anchor="ctr"/>
+                </a:tc>
+                <a:extLst>
+                  <a:ext uri="{0D108BD9-81ED-4DB2-BD59-A6C34878D82A}">
+                    <a16:rowId xmlns:a16="http://schemas.microsoft.com/office/drawing/2014/main" val="1874003456"/>
+                  </a:ext>
+                </a:extLst>
+              </a:tr>
+              <a:tr h="574009">
+                <a:tc>
+                  <a:txBody>
+                    <a:bodyPr/>
+                    <a:lstStyle/>
+                    <a:p>
+                      <a:r>
+                        <a:rPr lang="en-US"/>
+                        <a:t>Initial Value</a:t>
+                      </a:r>
+                    </a:p>
+                  </a:txBody>
+                  <a:tcPr anchor="ctr"/>
+                </a:tc>
+                <a:tc>
+                  <a:txBody>
+                    <a:bodyPr/>
+                    <a:lstStyle/>
+                    <a:p>
+                      <a:r>
+                        <a:rPr lang="en-US"/>
+                        <a:t>Passed as an argument</a:t>
+                      </a:r>
+                    </a:p>
+                  </a:txBody>
+                  <a:tcPr anchor="ctr"/>
+                </a:tc>
+                <a:extLst>
+                  <a:ext uri="{0D108BD9-81ED-4DB2-BD59-A6C34878D82A}">
+                    <a16:rowId xmlns:a16="http://schemas.microsoft.com/office/drawing/2014/main" val="897128088"/>
+                  </a:ext>
+                </a:extLst>
+              </a:tr>
+              <a:tr h="574009">
+                <a:tc>
+                  <a:txBody>
+                    <a:bodyPr/>
+                    <a:lstStyle/>
+                    <a:p>
+                      <a:r>
+                        <a:rPr lang="en-US"/>
+                        <a:t>Async Update</a:t>
+                      </a:r>
+                    </a:p>
+                  </a:txBody>
+                  <a:tcPr anchor="ctr"/>
+                </a:tc>
+                <a:tc>
+                  <a:txBody>
+                    <a:bodyPr/>
+                    <a:lstStyle/>
+                    <a:p>
+                      <a:r>
+                        <a:rPr lang="en-US"/>
+                        <a:t>Updates are async</a:t>
+                      </a:r>
+                    </a:p>
+                  </a:txBody>
+                  <a:tcPr anchor="ctr"/>
+                </a:tc>
+                <a:extLst>
+                  <a:ext uri="{0D108BD9-81ED-4DB2-BD59-A6C34878D82A}">
+                    <a16:rowId xmlns:a16="http://schemas.microsoft.com/office/drawing/2014/main" val="3922150888"/>
+                  </a:ext>
+                </a:extLst>
+              </a:tr>
+              <a:tr h="574009">
+                <a:tc>
+                  <a:txBody>
+                    <a:bodyPr/>
+                    <a:lstStyle/>
+                    <a:p>
+                      <a:r>
+                        <a:rPr lang="en-US"/>
+                        <a:t>Causes Re-render</a:t>
+                      </a:r>
+                    </a:p>
+                  </a:txBody>
+                  <a:tcPr anchor="ctr"/>
+                </a:tc>
+                <a:tc>
+                  <a:txBody>
+                    <a:bodyPr/>
+                    <a:lstStyle/>
+                    <a:p>
+                      <a:r>
+                        <a:rPr lang="en-US" dirty="0"/>
+                        <a:t>Yes, on every state change</a:t>
+                      </a:r>
+                    </a:p>
+                  </a:txBody>
+                  <a:tcPr anchor="ctr"/>
+                </a:tc>
+                <a:extLst>
+                  <a:ext uri="{0D108BD9-81ED-4DB2-BD59-A6C34878D82A}">
+                    <a16:rowId xmlns:a16="http://schemas.microsoft.com/office/drawing/2014/main" val="985569114"/>
+                  </a:ext>
+                </a:extLst>
+              </a:tr>
+            </a:tbl>
+          </a:graphicData>
+        </a:graphic>
+      </p:graphicFrame>
+    </p:spTree>
+    <p:extLst>
+      <p:ext uri="{BB962C8B-B14F-4D97-AF65-F5344CB8AC3E}">
+        <p14:creationId xmlns:p14="http://schemas.microsoft.com/office/powerpoint/2010/main" val="2622315414"/>
+      </p:ext>
+    </p:extLst>
+  </p:cSld>
+  <p:clrMapOvr>
+    <a:masterClrMapping/>
+  </p:clrMapOvr>
+  <p:transition>
+    <p:push dir="d"/>
+  </p:transition>
+</p:sld>
+</file>
+
+<file path=ppt/slides/slide6.xml><?xml version="1.0" encoding="utf-8"?>
 <p:sld xmlns:a="http://schemas.openxmlformats.org/drawingml/2006/main" xmlns:r="http://schemas.openxmlformats.org/officeDocument/2006/relationships" xmlns:p="http://schemas.openxmlformats.org/presentationml/2006/main">
   <p:cSld>
     <p:bg>
@@ -6435,7 +8502,7 @@
 </p:sld>
 </file>
 
-<file path=ppt/slides/slide5.xml><?xml version="1.0" encoding="utf-8"?>
+<file path=ppt/slides/slide7.xml><?xml version="1.0" encoding="utf-8"?>
 <p:sld xmlns:a="http://schemas.openxmlformats.org/drawingml/2006/main" xmlns:r="http://schemas.openxmlformats.org/officeDocument/2006/relationships" xmlns:p="http://schemas.openxmlformats.org/presentationml/2006/main">
   <p:cSld>
     <p:bg>
@@ -6902,7 +8969,7 @@
 </p:sld>
 </file>
 
-<file path=ppt/slides/slide6.xml><?xml version="1.0" encoding="utf-8"?>
+<file path=ppt/slides/slide8.xml><?xml version="1.0" encoding="utf-8"?>
 <p:sld xmlns:a="http://schemas.openxmlformats.org/drawingml/2006/main" xmlns:r="http://schemas.openxmlformats.org/officeDocument/2006/relationships" xmlns:p="http://schemas.openxmlformats.org/presentationml/2006/main">
   <p:cSld>
     <p:bg>
@@ -7385,626 +9452,6 @@
 </p:sld>
 </file>
 
-<file path=ppt/slides/slide7.xml><?xml version="1.0" encoding="utf-8"?>
-<p:sld xmlns:a="http://schemas.openxmlformats.org/drawingml/2006/main" xmlns:r="http://schemas.openxmlformats.org/officeDocument/2006/relationships" xmlns:p="http://schemas.openxmlformats.org/presentationml/2006/main">
-  <p:cSld>
-    <p:spTree>
-      <p:nvGrpSpPr>
-        <p:cNvPr id="1" name=""/>
-        <p:cNvGrpSpPr/>
-        <p:nvPr/>
-      </p:nvGrpSpPr>
-      <p:grpSpPr>
-        <a:xfrm>
-          <a:off x="0" y="0"/>
-          <a:ext cx="0" cy="0"/>
-          <a:chOff x="0" y="0"/>
-          <a:chExt cx="0" cy="0"/>
-        </a:xfrm>
-      </p:grpSpPr>
-      <p:sp>
-        <p:nvSpPr>
-          <p:cNvPr id="4" name="Rectangle 3"/>
-          <p:cNvSpPr/>
-          <p:nvPr/>
-        </p:nvSpPr>
-        <p:spPr>
-          <a:xfrm>
-            <a:off x="0" y="0"/>
-            <a:ext cx="9144000" cy="609600"/>
-          </a:xfrm>
-          <a:prstGeom prst="rect">
-            <a:avLst/>
-          </a:prstGeom>
-        </p:spPr>
-        <p:style>
-          <a:lnRef idx="0">
-            <a:schemeClr val="accent1"/>
-          </a:lnRef>
-          <a:fillRef idx="3">
-            <a:schemeClr val="accent1"/>
-          </a:fillRef>
-          <a:effectRef idx="3">
-            <a:schemeClr val="accent1"/>
-          </a:effectRef>
-          <a:fontRef idx="minor">
-            <a:schemeClr val="lt1"/>
-          </a:fontRef>
-        </p:style>
-        <p:txBody>
-          <a:bodyPr rtlCol="0" anchor="ctr"/>
-          <a:lstStyle/>
-          <a:p>
-            <a:pPr algn="r"/>
-            <a:r>
-              <a:rPr lang="en-US" sz="2700" dirty="0">
-                <a:latin typeface="Berlin Sans FB Demi" pitchFamily="34" charset="0"/>
-              </a:rPr>
-              <a:t>React useContext Hooks</a:t>
-            </a:r>
-          </a:p>
-        </p:txBody>
-      </p:sp>
-      <p:sp>
-        <p:nvSpPr>
-          <p:cNvPr id="7" name="Content Placeholder 2"/>
-          <p:cNvSpPr txBox="1">
-            <a:spLocks/>
-          </p:cNvSpPr>
-          <p:nvPr/>
-        </p:nvSpPr>
-        <p:spPr>
-          <a:xfrm>
-            <a:off x="381000" y="685801"/>
-            <a:ext cx="8458200" cy="5867400"/>
-          </a:xfrm>
-          <a:prstGeom prst="rect">
-            <a:avLst/>
-          </a:prstGeom>
-        </p:spPr>
-        <p:txBody>
-          <a:bodyPr vert="horz" lIns="91440" tIns="45720" rIns="91440" bIns="45720" rtlCol="0">
-            <a:normAutofit/>
-          </a:bodyPr>
-          <a:lstStyle/>
-          <a:p>
-            <a:pPr marL="457200" indent="-457200">
-              <a:spcAft>
-                <a:spcPts val="1200"/>
-              </a:spcAft>
-              <a:buFont typeface="Wingdings" pitchFamily="2" charset="2"/>
-              <a:buChar char="§"/>
-            </a:pPr>
-            <a:r>
-              <a:rPr lang="en-US" sz="2000" dirty="0">
-                <a:solidFill>
-                  <a:schemeClr val="tx1">
-                    <a:lumMod val="65000"/>
-                    <a:lumOff val="35000"/>
-                  </a:schemeClr>
-                </a:solidFill>
-                <a:latin typeface="Arial" pitchFamily="34" charset="0"/>
-                <a:cs typeface="Arial" pitchFamily="34" charset="0"/>
-              </a:rPr>
-              <a:t>React Context is a way to manage state globally.</a:t>
-            </a:r>
-          </a:p>
-          <a:p>
-            <a:pPr marL="457200" indent="-457200">
-              <a:spcAft>
-                <a:spcPts val="1200"/>
-              </a:spcAft>
-              <a:buFont typeface="Wingdings" pitchFamily="2" charset="2"/>
-              <a:buChar char="§"/>
-            </a:pPr>
-            <a:r>
-              <a:rPr lang="en-US" sz="2000" dirty="0">
-                <a:solidFill>
-                  <a:schemeClr val="tx1">
-                    <a:lumMod val="65000"/>
-                    <a:lumOff val="35000"/>
-                  </a:schemeClr>
-                </a:solidFill>
-                <a:latin typeface="Arial" pitchFamily="34" charset="0"/>
-                <a:cs typeface="Arial" pitchFamily="34" charset="0"/>
-              </a:rPr>
-              <a:t>Context provides a way to pass data or state through the component tree without having to pass props down manually through each nested component.</a:t>
-            </a:r>
-          </a:p>
-          <a:p>
-            <a:pPr marL="457200" indent="-457200">
-              <a:spcAft>
-                <a:spcPts val="1200"/>
-              </a:spcAft>
-              <a:buFont typeface="Wingdings" pitchFamily="2" charset="2"/>
-              <a:buChar char="§"/>
-            </a:pPr>
-            <a:r>
-              <a:rPr lang="en-US" sz="2000" b="0" i="0" dirty="0">
-                <a:solidFill>
-                  <a:srgbClr val="273239"/>
-                </a:solidFill>
-                <a:effectLst/>
-                <a:highlight>
-                  <a:srgbClr val="FFFFFF"/>
-                </a:highlight>
-                <a:latin typeface="Nunito" pitchFamily="2" charset="0"/>
-              </a:rPr>
-              <a:t>The useContext hook is the new addition in React 16.8. </a:t>
-            </a:r>
-            <a:endParaRPr lang="en-US" sz="2000" b="0" i="0" dirty="0">
-              <a:solidFill>
-                <a:schemeClr val="tx1">
-                  <a:lumMod val="65000"/>
-                  <a:lumOff val="35000"/>
-                </a:schemeClr>
-              </a:solidFill>
-              <a:effectLst/>
-              <a:highlight>
-                <a:srgbClr val="FFFFFF"/>
-              </a:highlight>
-              <a:latin typeface="Arial" pitchFamily="34" charset="0"/>
-              <a:cs typeface="Arial" pitchFamily="34" charset="0"/>
-            </a:endParaRPr>
-          </a:p>
-          <a:p>
-            <a:pPr marL="457200" indent="-457200">
-              <a:spcAft>
-                <a:spcPts val="1200"/>
-              </a:spcAft>
-              <a:buFont typeface="Wingdings" pitchFamily="2" charset="2"/>
-              <a:buChar char="§"/>
-            </a:pPr>
-            <a:r>
-              <a:rPr lang="en-US" sz="2000" b="0" i="0" dirty="0">
-                <a:solidFill>
-                  <a:srgbClr val="273239"/>
-                </a:solidFill>
-                <a:effectLst/>
-                <a:highlight>
-                  <a:srgbClr val="FFFFFF"/>
-                </a:highlight>
-                <a:latin typeface="Nunito" pitchFamily="2" charset="0"/>
-              </a:rPr>
-              <a:t>useContext hook helps to make the code more readable, less verbose and removes the need to introduce Consumer Component.</a:t>
-            </a:r>
-            <a:endParaRPr lang="en-US" sz="2000" dirty="0">
-              <a:solidFill>
-                <a:schemeClr val="tx1">
-                  <a:lumMod val="65000"/>
-                  <a:lumOff val="35000"/>
-                </a:schemeClr>
-              </a:solidFill>
-              <a:highlight>
-                <a:srgbClr val="FFFFFF"/>
-              </a:highlight>
-              <a:latin typeface="Arial" pitchFamily="34" charset="0"/>
-              <a:cs typeface="Arial" pitchFamily="34" charset="0"/>
-            </a:endParaRPr>
-          </a:p>
-          <a:p>
-            <a:pPr marL="457200" indent="-457200">
-              <a:spcAft>
-                <a:spcPts val="1200"/>
-              </a:spcAft>
-              <a:buFont typeface="Wingdings" pitchFamily="2" charset="2"/>
-              <a:buChar char="§"/>
-            </a:pPr>
-            <a:r>
-              <a:rPr lang="en-US" sz="2000">
-                <a:solidFill>
-                  <a:schemeClr val="tx1">
-                    <a:lumMod val="65000"/>
-                    <a:lumOff val="35000"/>
-                  </a:schemeClr>
-                </a:solidFill>
-                <a:latin typeface="Arial" pitchFamily="34" charset="0"/>
-                <a:cs typeface="Arial" pitchFamily="34" charset="0"/>
-              </a:rPr>
-              <a:t>Syntax:</a:t>
-            </a:r>
-            <a:endParaRPr lang="en-US" sz="2000" dirty="0">
-              <a:solidFill>
-                <a:schemeClr val="tx1">
-                  <a:lumMod val="65000"/>
-                  <a:lumOff val="35000"/>
-                </a:schemeClr>
-              </a:solidFill>
-              <a:latin typeface="Arial" pitchFamily="34" charset="0"/>
-              <a:cs typeface="Arial" pitchFamily="34" charset="0"/>
-            </a:endParaRPr>
-          </a:p>
-          <a:p>
-            <a:pPr marL="457200" indent="-457200">
-              <a:spcAft>
-                <a:spcPts val="1200"/>
-              </a:spcAft>
-              <a:buFont typeface="Wingdings" pitchFamily="2" charset="2"/>
-              <a:buChar char="§"/>
-            </a:pPr>
-            <a:r>
-              <a:rPr lang="en-US" sz="2000" dirty="0">
-                <a:solidFill>
-                  <a:schemeClr val="tx1">
-                    <a:lumMod val="65000"/>
-                    <a:lumOff val="35000"/>
-                  </a:schemeClr>
-                </a:solidFill>
-                <a:latin typeface="Arial" pitchFamily="34" charset="0"/>
-                <a:cs typeface="Arial" pitchFamily="34" charset="0"/>
-              </a:rPr>
-              <a:t>const </a:t>
-            </a:r>
-            <a:r>
-              <a:rPr lang="en-US" sz="2000" dirty="0" err="1">
-                <a:solidFill>
-                  <a:schemeClr val="tx1">
-                    <a:lumMod val="65000"/>
-                    <a:lumOff val="35000"/>
-                  </a:schemeClr>
-                </a:solidFill>
-                <a:latin typeface="Arial" pitchFamily="34" charset="0"/>
-                <a:cs typeface="Arial" pitchFamily="34" charset="0"/>
-              </a:rPr>
-              <a:t>authContext</a:t>
-            </a:r>
-            <a:r>
-              <a:rPr lang="en-US" sz="2000" dirty="0">
-                <a:solidFill>
-                  <a:schemeClr val="tx1">
-                    <a:lumMod val="65000"/>
-                    <a:lumOff val="35000"/>
-                  </a:schemeClr>
-                </a:solidFill>
-                <a:latin typeface="Arial" pitchFamily="34" charset="0"/>
-                <a:cs typeface="Arial" pitchFamily="34" charset="0"/>
-              </a:rPr>
-              <a:t> = useContext(</a:t>
-            </a:r>
-            <a:r>
-              <a:rPr lang="en-US" sz="2000" dirty="0" err="1">
-                <a:solidFill>
-                  <a:schemeClr val="tx1">
-                    <a:lumMod val="65000"/>
-                    <a:lumOff val="35000"/>
-                  </a:schemeClr>
-                </a:solidFill>
-                <a:latin typeface="Arial" pitchFamily="34" charset="0"/>
-                <a:cs typeface="Arial" pitchFamily="34" charset="0"/>
-              </a:rPr>
-              <a:t>initialValue</a:t>
-            </a:r>
-            <a:r>
-              <a:rPr lang="en-US" sz="2000" dirty="0">
-                <a:solidFill>
-                  <a:schemeClr val="tx1">
-                    <a:lumMod val="65000"/>
-                    <a:lumOff val="35000"/>
-                  </a:schemeClr>
-                </a:solidFill>
-                <a:latin typeface="Arial" pitchFamily="34" charset="0"/>
-                <a:cs typeface="Arial" pitchFamily="34" charset="0"/>
-              </a:rPr>
-              <a:t>);</a:t>
-            </a:r>
-          </a:p>
-          <a:p>
-            <a:pPr marL="457200" indent="-457200">
-              <a:spcAft>
-                <a:spcPts val="1200"/>
-              </a:spcAft>
-              <a:buFont typeface="Wingdings" pitchFamily="2" charset="2"/>
-              <a:buChar char="§"/>
-            </a:pPr>
-            <a:endParaRPr lang="en-US" sz="2000" dirty="0">
-              <a:solidFill>
-                <a:schemeClr val="tx1">
-                  <a:lumMod val="65000"/>
-                  <a:lumOff val="35000"/>
-                </a:schemeClr>
-              </a:solidFill>
-              <a:latin typeface="Arial" pitchFamily="34" charset="0"/>
-              <a:cs typeface="Arial" pitchFamily="34" charset="0"/>
-            </a:endParaRPr>
-          </a:p>
-        </p:txBody>
-      </p:sp>
-    </p:spTree>
-    <p:extLst>
-      <p:ext uri="{BB962C8B-B14F-4D97-AF65-F5344CB8AC3E}">
-        <p14:creationId xmlns:p14="http://schemas.microsoft.com/office/powerpoint/2010/main" val="4097971079"/>
-      </p:ext>
-    </p:extLst>
-  </p:cSld>
-  <p:clrMapOvr>
-    <a:masterClrMapping/>
-  </p:clrMapOvr>
-  <p:transition>
-    <p:push dir="d"/>
-  </p:transition>
-</p:sld>
-</file>
-
-<file path=ppt/slides/slide8.xml><?xml version="1.0" encoding="utf-8"?>
-<p:sld xmlns:a="http://schemas.openxmlformats.org/drawingml/2006/main" xmlns:r="http://schemas.openxmlformats.org/officeDocument/2006/relationships" xmlns:p="http://schemas.openxmlformats.org/presentationml/2006/main">
-  <p:cSld>
-    <p:spTree>
-      <p:nvGrpSpPr>
-        <p:cNvPr id="1" name=""/>
-        <p:cNvGrpSpPr/>
-        <p:nvPr/>
-      </p:nvGrpSpPr>
-      <p:grpSpPr>
-        <a:xfrm>
-          <a:off x="0" y="0"/>
-          <a:ext cx="0" cy="0"/>
-          <a:chOff x="0" y="0"/>
-          <a:chExt cx="0" cy="0"/>
-        </a:xfrm>
-      </p:grpSpPr>
-      <p:sp>
-        <p:nvSpPr>
-          <p:cNvPr id="4" name="Rectangle 3"/>
-          <p:cNvSpPr/>
-          <p:nvPr/>
-        </p:nvSpPr>
-        <p:spPr>
-          <a:xfrm>
-            <a:off x="0" y="0"/>
-            <a:ext cx="9144000" cy="609600"/>
-          </a:xfrm>
-          <a:prstGeom prst="rect">
-            <a:avLst/>
-          </a:prstGeom>
-        </p:spPr>
-        <p:style>
-          <a:lnRef idx="0">
-            <a:schemeClr val="accent1"/>
-          </a:lnRef>
-          <a:fillRef idx="3">
-            <a:schemeClr val="accent1"/>
-          </a:fillRef>
-          <a:effectRef idx="3">
-            <a:schemeClr val="accent1"/>
-          </a:effectRef>
-          <a:fontRef idx="minor">
-            <a:schemeClr val="lt1"/>
-          </a:fontRef>
-        </p:style>
-        <p:txBody>
-          <a:bodyPr rtlCol="0" anchor="ctr"/>
-          <a:lstStyle/>
-          <a:p>
-            <a:pPr algn="r"/>
-            <a:r>
-              <a:rPr lang="en-US" sz="2700" dirty="0">
-                <a:latin typeface="Berlin Sans FB Demi" pitchFamily="34" charset="0"/>
-              </a:rPr>
-              <a:t>Purpose of </a:t>
-            </a:r>
-            <a:r>
-              <a:rPr lang="en-US" sz="2700" dirty="0" err="1">
-                <a:latin typeface="Berlin Sans FB Demi" pitchFamily="34" charset="0"/>
-              </a:rPr>
-              <a:t>useContext</a:t>
-            </a:r>
-            <a:endParaRPr lang="en-US" sz="2700" dirty="0">
-              <a:latin typeface="Berlin Sans FB Demi" pitchFamily="34" charset="0"/>
-            </a:endParaRPr>
-          </a:p>
-        </p:txBody>
-      </p:sp>
-      <p:sp>
-        <p:nvSpPr>
-          <p:cNvPr id="7" name="Content Placeholder 2"/>
-          <p:cNvSpPr txBox="1">
-            <a:spLocks/>
-          </p:cNvSpPr>
-          <p:nvPr/>
-        </p:nvSpPr>
-        <p:spPr>
-          <a:xfrm>
-            <a:off x="381000" y="685801"/>
-            <a:ext cx="8458200" cy="5867400"/>
-          </a:xfrm>
-          <a:prstGeom prst="rect">
-            <a:avLst/>
-          </a:prstGeom>
-        </p:spPr>
-        <p:txBody>
-          <a:bodyPr vert="horz" lIns="91440" tIns="45720" rIns="91440" bIns="45720" rtlCol="0">
-            <a:normAutofit/>
-          </a:bodyPr>
-          <a:lstStyle/>
-          <a:p>
-            <a:pPr marL="457200" indent="-457200">
-              <a:spcAft>
-                <a:spcPts val="1200"/>
-              </a:spcAft>
-              <a:buFont typeface="Wingdings" pitchFamily="2" charset="2"/>
-              <a:buChar char="§"/>
-            </a:pPr>
-            <a:r>
-              <a:rPr lang="en-US" sz="2000" dirty="0">
-                <a:solidFill>
-                  <a:schemeClr val="tx1">
-                    <a:lumMod val="65000"/>
-                    <a:lumOff val="35000"/>
-                  </a:schemeClr>
-                </a:solidFill>
-                <a:latin typeface="Arial" pitchFamily="34" charset="0"/>
-                <a:cs typeface="Arial" pitchFamily="34" charset="0"/>
-              </a:rPr>
-              <a:t>Accessing Context Values:</a:t>
-            </a:r>
-          </a:p>
-          <a:p>
-            <a:pPr marL="457200" indent="-457200">
-              <a:spcAft>
-                <a:spcPts val="1200"/>
-              </a:spcAft>
-              <a:buFont typeface="Wingdings" pitchFamily="2" charset="2"/>
-              <a:buChar char="§"/>
-            </a:pPr>
-            <a:r>
-              <a:rPr lang="en-US" sz="2000" dirty="0">
-                <a:solidFill>
-                  <a:schemeClr val="tx1">
-                    <a:lumMod val="65000"/>
-                    <a:lumOff val="35000"/>
-                  </a:schemeClr>
-                </a:solidFill>
-                <a:latin typeface="Arial" pitchFamily="34" charset="0"/>
-                <a:cs typeface="Arial" pitchFamily="34" charset="0"/>
-              </a:rPr>
-              <a:t>With </a:t>
-            </a:r>
-            <a:r>
-              <a:rPr lang="en-US" sz="2000" dirty="0" err="1">
-                <a:solidFill>
-                  <a:schemeClr val="tx1">
-                    <a:lumMod val="65000"/>
-                    <a:lumOff val="35000"/>
-                  </a:schemeClr>
-                </a:solidFill>
-                <a:latin typeface="Arial" pitchFamily="34" charset="0"/>
-                <a:cs typeface="Arial" pitchFamily="34" charset="0"/>
-              </a:rPr>
-              <a:t>useContext</a:t>
-            </a:r>
-            <a:r>
-              <a:rPr lang="en-US" sz="2000" dirty="0">
-                <a:solidFill>
-                  <a:schemeClr val="tx1">
-                    <a:lumMod val="65000"/>
-                    <a:lumOff val="35000"/>
-                  </a:schemeClr>
-                </a:solidFill>
-                <a:latin typeface="Arial" pitchFamily="34" charset="0"/>
-                <a:cs typeface="Arial" pitchFamily="34" charset="0"/>
-              </a:rPr>
-              <a:t>, you can access values stored in a React context from any component within the same context provider.</a:t>
-            </a:r>
-          </a:p>
-          <a:p>
-            <a:pPr marL="457200" indent="-457200">
-              <a:spcAft>
-                <a:spcPts val="1200"/>
-              </a:spcAft>
-              <a:buFont typeface="Wingdings" pitchFamily="2" charset="2"/>
-              <a:buChar char="§"/>
-            </a:pPr>
-            <a:r>
-              <a:rPr lang="en-US" sz="2000" dirty="0">
-                <a:solidFill>
-                  <a:schemeClr val="tx1">
-                    <a:lumMod val="65000"/>
-                    <a:lumOff val="35000"/>
-                  </a:schemeClr>
-                </a:solidFill>
-                <a:latin typeface="Arial" pitchFamily="34" charset="0"/>
-                <a:cs typeface="Arial" pitchFamily="34" charset="0"/>
-              </a:rPr>
-              <a:t>Avoiding Prop Drilling:</a:t>
-            </a:r>
-          </a:p>
-          <a:p>
-            <a:pPr marL="457200" indent="-457200">
-              <a:spcAft>
-                <a:spcPts val="1200"/>
-              </a:spcAft>
-              <a:buFont typeface="Wingdings" pitchFamily="2" charset="2"/>
-              <a:buChar char="§"/>
-            </a:pPr>
-            <a:r>
-              <a:rPr lang="en-US" sz="2000" dirty="0">
-                <a:solidFill>
-                  <a:schemeClr val="tx1">
-                    <a:lumMod val="65000"/>
-                    <a:lumOff val="35000"/>
-                  </a:schemeClr>
-                </a:solidFill>
-                <a:latin typeface="Arial" pitchFamily="34" charset="0"/>
-                <a:cs typeface="Arial" pitchFamily="34" charset="0"/>
-              </a:rPr>
-              <a:t>It helps avoid “prop drilling” which is the process of passing props down through multiple levels of components just to reach a component that needs those values.</a:t>
-            </a:r>
-          </a:p>
-          <a:p>
-            <a:pPr marL="457200" indent="-457200">
-              <a:spcAft>
-                <a:spcPts val="1200"/>
-              </a:spcAft>
-              <a:buFont typeface="Wingdings" pitchFamily="2" charset="2"/>
-              <a:buChar char="§"/>
-            </a:pPr>
-            <a:r>
-              <a:rPr lang="en-US" sz="2000" dirty="0">
-                <a:solidFill>
-                  <a:schemeClr val="tx1">
-                    <a:lumMod val="65000"/>
-                    <a:lumOff val="35000"/>
-                  </a:schemeClr>
-                </a:solidFill>
-                <a:latin typeface="Arial" pitchFamily="34" charset="0"/>
-                <a:cs typeface="Arial" pitchFamily="34" charset="0"/>
-              </a:rPr>
-              <a:t>Simplified Data Sharing:</a:t>
-            </a:r>
-          </a:p>
-          <a:p>
-            <a:pPr marL="457200" indent="-457200">
-              <a:spcAft>
-                <a:spcPts val="1200"/>
-              </a:spcAft>
-              <a:buFont typeface="Wingdings" pitchFamily="2" charset="2"/>
-              <a:buChar char="§"/>
-            </a:pPr>
-            <a:r>
-              <a:rPr lang="en-US" sz="2000" dirty="0" err="1">
-                <a:solidFill>
-                  <a:schemeClr val="tx1">
-                    <a:lumMod val="65000"/>
-                    <a:lumOff val="35000"/>
-                  </a:schemeClr>
-                </a:solidFill>
-                <a:latin typeface="Arial" pitchFamily="34" charset="0"/>
-                <a:cs typeface="Arial" pitchFamily="34" charset="0"/>
-              </a:rPr>
-              <a:t>useContext</a:t>
-            </a:r>
-            <a:r>
-              <a:rPr lang="en-US" sz="2000" dirty="0">
-                <a:solidFill>
-                  <a:schemeClr val="tx1">
-                    <a:lumMod val="65000"/>
-                    <a:lumOff val="35000"/>
-                  </a:schemeClr>
-                </a:solidFill>
-                <a:latin typeface="Arial" pitchFamily="34" charset="0"/>
-                <a:cs typeface="Arial" pitchFamily="34" charset="0"/>
-              </a:rPr>
-              <a:t> simplifies the process of sharing data or functionality across many components in your application, especially when dealing with deeply nested components.</a:t>
-            </a:r>
-          </a:p>
-        </p:txBody>
-      </p:sp>
-    </p:spTree>
-    <p:extLst>
-      <p:ext uri="{BB962C8B-B14F-4D97-AF65-F5344CB8AC3E}">
-        <p14:creationId xmlns:p14="http://schemas.microsoft.com/office/powerpoint/2010/main" val="4079403101"/>
-      </p:ext>
-    </p:extLst>
-  </p:cSld>
-  <p:clrMapOvr>
-    <a:masterClrMapping/>
-  </p:clrMapOvr>
-  <p:transition>
-    <p:push dir="d"/>
-  </p:transition>
-</p:sld>
-</file>
-
 <file path=ppt/slides/slide9.xml><?xml version="1.0" encoding="utf-8"?>
 <p:sld xmlns:a="http://schemas.openxmlformats.org/drawingml/2006/main" xmlns:r="http://schemas.openxmlformats.org/officeDocument/2006/relationships" xmlns:p="http://schemas.openxmlformats.org/presentationml/2006/main">
   <p:cSld>
@@ -8060,17 +9507,8 @@
               <a:rPr lang="en-US" sz="2700" dirty="0">
                 <a:latin typeface="Berlin Sans FB Demi" pitchFamily="34" charset="0"/>
               </a:rPr>
-              <a:t>Purpose of </a:t>
-            </a:r>
-            <a:r>
-              <a:rPr lang="en-US" sz="2700" dirty="0" err="1">
-                <a:latin typeface="Berlin Sans FB Demi" pitchFamily="34" charset="0"/>
-              </a:rPr>
-              <a:t>useContext</a:t>
-            </a:r>
-            <a:endParaRPr lang="en-US" sz="2700" dirty="0">
-              <a:latin typeface="Berlin Sans FB Demi" pitchFamily="34" charset="0"/>
-            </a:endParaRPr>
+              <a:t>React useContext Hooks</a:t>
+            </a:r>
           </a:p>
         </p:txBody>
       </p:sp>
@@ -8115,7 +9553,7 @@
                 <a:latin typeface="Arial" pitchFamily="34" charset="0"/>
                 <a:cs typeface="Arial" pitchFamily="34" charset="0"/>
               </a:rPr>
-              <a:t>Cleaner Component Structure:</a:t>
+              <a:t>React Context is a way to manage state globally.</a:t>
             </a:r>
           </a:p>
           <a:p>
@@ -8137,10 +9575,90 @@
                 <a:latin typeface="Arial" pitchFamily="34" charset="0"/>
                 <a:cs typeface="Arial" pitchFamily="34" charset="0"/>
               </a:rPr>
-              <a:t>By using </a:t>
-            </a:r>
-            <a:r>
-              <a:rPr lang="en-US" sz="2000" dirty="0" err="1">
+              <a:t>Context provides a way to pass data or state through the component tree without having to pass props down manually through each nested component.</a:t>
+            </a:r>
+          </a:p>
+          <a:p>
+            <a:pPr marL="457200" indent="-457200">
+              <a:spcAft>
+                <a:spcPts val="1200"/>
+              </a:spcAft>
+              <a:buFont typeface="Wingdings" pitchFamily="2" charset="2"/>
+              <a:buChar char="§"/>
+            </a:pPr>
+            <a:r>
+              <a:rPr lang="en-US" sz="2000" b="0" i="0" dirty="0">
+                <a:solidFill>
+                  <a:srgbClr val="273239"/>
+                </a:solidFill>
+                <a:effectLst/>
+                <a:highlight>
+                  <a:srgbClr val="FFFFFF"/>
+                </a:highlight>
+                <a:latin typeface="Nunito" pitchFamily="2" charset="0"/>
+              </a:rPr>
+              <a:t>The useContext hook is the new addition in React 16.8. </a:t>
+            </a:r>
+            <a:endParaRPr lang="en-US" sz="2000" b="0" i="0" dirty="0">
+              <a:solidFill>
+                <a:schemeClr val="tx1">
+                  <a:lumMod val="65000"/>
+                  <a:lumOff val="35000"/>
+                </a:schemeClr>
+              </a:solidFill>
+              <a:effectLst/>
+              <a:highlight>
+                <a:srgbClr val="FFFFFF"/>
+              </a:highlight>
+              <a:latin typeface="Arial" pitchFamily="34" charset="0"/>
+              <a:cs typeface="Arial" pitchFamily="34" charset="0"/>
+            </a:endParaRPr>
+          </a:p>
+          <a:p>
+            <a:pPr marL="457200" indent="-457200">
+              <a:spcAft>
+                <a:spcPts val="1200"/>
+              </a:spcAft>
+              <a:buFont typeface="Wingdings" pitchFamily="2" charset="2"/>
+              <a:buChar char="§"/>
+            </a:pPr>
+            <a:r>
+              <a:rPr lang="en-US" sz="2000" b="0" i="0" dirty="0">
+                <a:solidFill>
+                  <a:srgbClr val="273239"/>
+                </a:solidFill>
+                <a:effectLst/>
+                <a:highlight>
+                  <a:srgbClr val="FFFFFF"/>
+                </a:highlight>
+                <a:latin typeface="Nunito" pitchFamily="2" charset="0"/>
+              </a:rPr>
+              <a:t>useContext hook helps to make the code more readable, less verbose and removes the need to introduce Consumer Component.</a:t>
+            </a:r>
+            <a:endParaRPr lang="en-US" sz="2000" dirty="0">
+              <a:solidFill>
+                <a:schemeClr val="tx1">
+                  <a:lumMod val="65000"/>
+                  <a:lumOff val="35000"/>
+                </a:schemeClr>
+              </a:solidFill>
+              <a:highlight>
+                <a:srgbClr val="FFFFFF"/>
+              </a:highlight>
+              <a:latin typeface="Arial" pitchFamily="34" charset="0"/>
+              <a:cs typeface="Arial" pitchFamily="34" charset="0"/>
+            </a:endParaRPr>
+          </a:p>
+          <a:p>
+            <a:pPr marL="457200" indent="-457200">
+              <a:spcAft>
+                <a:spcPts val="1200"/>
+              </a:spcAft>
+              <a:buFont typeface="Wingdings" pitchFamily="2" charset="2"/>
+              <a:buChar char="§"/>
+            </a:pPr>
+            <a:r>
+              <a:rPr lang="en-US" sz="2000">
                 <a:solidFill>
                   <a:schemeClr val="tx1">
                     <a:lumMod val="65000"/>
@@ -8150,125 +9668,7 @@
                 <a:latin typeface="Arial" pitchFamily="34" charset="0"/>
                 <a:cs typeface="Arial" pitchFamily="34" charset="0"/>
               </a:rPr>
-              <a:t>useContext</a:t>
-            </a:r>
-            <a:r>
-              <a:rPr lang="en-US" sz="2000" dirty="0">
-                <a:solidFill>
-                  <a:schemeClr val="tx1">
-                    <a:lumMod val="65000"/>
-                    <a:lumOff val="35000"/>
-                  </a:schemeClr>
-                </a:solidFill>
-                <a:latin typeface="Arial" pitchFamily="34" charset="0"/>
-                <a:cs typeface="Arial" pitchFamily="34" charset="0"/>
-              </a:rPr>
-              <a:t>, you can keep your component tree cleaner and more readable by avoiding the clutter of passing props down through intermediary components.</a:t>
-            </a:r>
-          </a:p>
-          <a:p>
-            <a:pPr marL="457200" indent="-457200">
-              <a:spcAft>
-                <a:spcPts val="1200"/>
-              </a:spcAft>
-              <a:buFont typeface="Wingdings" pitchFamily="2" charset="2"/>
-              <a:buChar char="§"/>
-            </a:pPr>
-            <a:r>
-              <a:rPr lang="en-US" sz="2000" dirty="0">
-                <a:solidFill>
-                  <a:schemeClr val="tx1">
-                    <a:lumMod val="65000"/>
-                    <a:lumOff val="35000"/>
-                  </a:schemeClr>
-                </a:solidFill>
-                <a:latin typeface="Arial" pitchFamily="34" charset="0"/>
-                <a:cs typeface="Arial" pitchFamily="34" charset="0"/>
-              </a:rPr>
-              <a:t>Easy-to-Use API:</a:t>
-            </a:r>
-          </a:p>
-          <a:p>
-            <a:pPr marL="457200" indent="-457200">
-              <a:spcAft>
-                <a:spcPts val="1200"/>
-              </a:spcAft>
-              <a:buFont typeface="Wingdings" pitchFamily="2" charset="2"/>
-              <a:buChar char="§"/>
-            </a:pPr>
-            <a:r>
-              <a:rPr lang="en-US" sz="2000" dirty="0" err="1">
-                <a:solidFill>
-                  <a:schemeClr val="tx1">
-                    <a:lumMod val="65000"/>
-                    <a:lumOff val="35000"/>
-                  </a:schemeClr>
-                </a:solidFill>
-                <a:latin typeface="Arial" pitchFamily="34" charset="0"/>
-                <a:cs typeface="Arial" pitchFamily="34" charset="0"/>
-              </a:rPr>
-              <a:t>useContext</a:t>
-            </a:r>
-            <a:r>
-              <a:rPr lang="en-US" sz="2000" dirty="0">
-                <a:solidFill>
-                  <a:schemeClr val="tx1">
-                    <a:lumMod val="65000"/>
-                    <a:lumOff val="35000"/>
-                  </a:schemeClr>
-                </a:solidFill>
-                <a:latin typeface="Arial" pitchFamily="34" charset="0"/>
-                <a:cs typeface="Arial" pitchFamily="34" charset="0"/>
-              </a:rPr>
-              <a:t> provides a straightforward API for accessing context values within functional components, making it intuitive and easy to use.</a:t>
-            </a:r>
-          </a:p>
-          <a:p>
-            <a:pPr marL="457200" indent="-457200">
-              <a:spcAft>
-                <a:spcPts val="1200"/>
-              </a:spcAft>
-              <a:buFont typeface="Wingdings" pitchFamily="2" charset="2"/>
-              <a:buChar char="§"/>
-            </a:pPr>
-            <a:r>
-              <a:rPr lang="en-US" sz="2000" dirty="0">
-                <a:solidFill>
-                  <a:schemeClr val="tx1">
-                    <a:lumMod val="65000"/>
-                    <a:lumOff val="35000"/>
-                  </a:schemeClr>
-                </a:solidFill>
-                <a:latin typeface="Arial" pitchFamily="34" charset="0"/>
-                <a:cs typeface="Arial" pitchFamily="34" charset="0"/>
-              </a:rPr>
-              <a:t>'</a:t>
-            </a:r>
-            <a:r>
-              <a:rPr lang="en-US" sz="2000" dirty="0" err="1">
-                <a:solidFill>
-                  <a:schemeClr val="tx1">
-                    <a:lumMod val="65000"/>
-                    <a:lumOff val="35000"/>
-                  </a:schemeClr>
-                </a:solidFill>
-                <a:latin typeface="Arial" pitchFamily="34" charset="0"/>
-                <a:cs typeface="Arial" pitchFamily="34" charset="0"/>
-              </a:rPr>
-              <a:t>useContext</a:t>
-            </a:r>
-            <a:r>
-              <a:rPr lang="en-US" sz="2000">
-                <a:solidFill>
-                  <a:schemeClr val="tx1">
-                    <a:lumMod val="65000"/>
-                    <a:lumOff val="35000"/>
-                  </a:schemeClr>
-                </a:solidFill>
-                <a:latin typeface="Arial" pitchFamily="34" charset="0"/>
-                <a:cs typeface="Arial" pitchFamily="34" charset="0"/>
-              </a:rPr>
-              <a:t>' enhances the flexibility and scalability of your React applications by providing a convenient way to share and access global state or other shared data without the need for complex prop threading.</a:t>
+              <a:t>Syntax:</a:t>
             </a:r>
             <a:endParaRPr lang="en-US" sz="2000" dirty="0">
               <a:solidFill>
@@ -8281,12 +9681,105 @@
               <a:cs typeface="Arial" pitchFamily="34" charset="0"/>
             </a:endParaRPr>
           </a:p>
+          <a:p>
+            <a:pPr marL="457200" indent="-457200">
+              <a:spcAft>
+                <a:spcPts val="1200"/>
+              </a:spcAft>
+              <a:buFont typeface="Wingdings" pitchFamily="2" charset="2"/>
+              <a:buChar char="§"/>
+            </a:pPr>
+            <a:r>
+              <a:rPr lang="en-US" sz="2000" dirty="0">
+                <a:solidFill>
+                  <a:schemeClr val="tx1">
+                    <a:lumMod val="65000"/>
+                    <a:lumOff val="35000"/>
+                  </a:schemeClr>
+                </a:solidFill>
+                <a:latin typeface="Arial" pitchFamily="34" charset="0"/>
+                <a:cs typeface="Arial" pitchFamily="34" charset="0"/>
+              </a:rPr>
+              <a:t>const </a:t>
+            </a:r>
+            <a:r>
+              <a:rPr lang="en-US" sz="2000" dirty="0" err="1">
+                <a:solidFill>
+                  <a:schemeClr val="tx1">
+                    <a:lumMod val="65000"/>
+                    <a:lumOff val="35000"/>
+                  </a:schemeClr>
+                </a:solidFill>
+                <a:latin typeface="Arial" pitchFamily="34" charset="0"/>
+                <a:cs typeface="Arial" pitchFamily="34" charset="0"/>
+              </a:rPr>
+              <a:t>authContext</a:t>
+            </a:r>
+            <a:r>
+              <a:rPr lang="en-US" sz="2000" dirty="0">
+                <a:solidFill>
+                  <a:schemeClr val="tx1">
+                    <a:lumMod val="65000"/>
+                    <a:lumOff val="35000"/>
+                  </a:schemeClr>
+                </a:solidFill>
+                <a:latin typeface="Arial" pitchFamily="34" charset="0"/>
+                <a:cs typeface="Arial" pitchFamily="34" charset="0"/>
+              </a:rPr>
+              <a:t> = useContext(</a:t>
+            </a:r>
+            <a:r>
+              <a:rPr lang="en-US" sz="2000" dirty="0" err="1">
+                <a:solidFill>
+                  <a:schemeClr val="tx1">
+                    <a:lumMod val="65000"/>
+                    <a:lumOff val="35000"/>
+                  </a:schemeClr>
+                </a:solidFill>
+                <a:latin typeface="Arial" pitchFamily="34" charset="0"/>
+                <a:cs typeface="Arial" pitchFamily="34" charset="0"/>
+              </a:rPr>
+              <a:t>initialValue</a:t>
+            </a:r>
+            <a:r>
+              <a:rPr lang="en-US" sz="2000" dirty="0">
+                <a:solidFill>
+                  <a:schemeClr val="tx1">
+                    <a:lumMod val="65000"/>
+                    <a:lumOff val="35000"/>
+                  </a:schemeClr>
+                </a:solidFill>
+                <a:latin typeface="Arial" pitchFamily="34" charset="0"/>
+                <a:cs typeface="Arial" pitchFamily="34" charset="0"/>
+              </a:rPr>
+              <a:t>);</a:t>
+            </a:r>
+          </a:p>
+          <a:p>
+            <a:pPr marL="457200" indent="-457200">
+              <a:spcAft>
+                <a:spcPts val="1200"/>
+              </a:spcAft>
+              <a:buFont typeface="Wingdings" pitchFamily="2" charset="2"/>
+              <a:buChar char="§"/>
+            </a:pPr>
+            <a:endParaRPr lang="en-US" sz="2000" dirty="0">
+              <a:solidFill>
+                <a:schemeClr val="tx1">
+                  <a:lumMod val="65000"/>
+                  <a:lumOff val="35000"/>
+                </a:schemeClr>
+              </a:solidFill>
+              <a:latin typeface="Arial" pitchFamily="34" charset="0"/>
+              <a:cs typeface="Arial" pitchFamily="34" charset="0"/>
+            </a:endParaRPr>
+          </a:p>
         </p:txBody>
       </p:sp>
     </p:spTree>
     <p:extLst>
       <p:ext uri="{BB962C8B-B14F-4D97-AF65-F5344CB8AC3E}">
-        <p14:creationId xmlns:p14="http://schemas.microsoft.com/office/powerpoint/2010/main" val="3085040931"/>
+        <p14:creationId xmlns:p14="http://schemas.microsoft.com/office/powerpoint/2010/main" val="4097971079"/>
       </p:ext>
     </p:extLst>
   </p:cSld>

--- a/React-PPT/React-Hooks.pptx
+++ b/React-PPT/React-Hooks.pptx
@@ -222,7 +222,7 @@
             <a:fld id="{B13155C5-DA3C-4C88-9DA1-9BFC3AECD68D}" type="datetimeFigureOut">
               <a:rPr lang="en-US" smtClean="0"/>
               <a:pPr/>
-              <a:t>8/3/2025</a:t>
+              <a:t>8/9/2025</a:t>
             </a:fld>
             <a:endParaRPr lang="en-US"/>
           </a:p>
@@ -672,7 +672,7 @@
             <a:fld id="{1D8BD707-D9CF-40AE-B4C6-C98DA3205C09}" type="datetimeFigureOut">
               <a:rPr lang="en-US" smtClean="0"/>
               <a:pPr/>
-              <a:t>8/3/2025</a:t>
+              <a:t>8/9/2025</a:t>
             </a:fld>
             <a:endParaRPr lang="en-US"/>
           </a:p>
@@ -840,7 +840,7 @@
             <a:fld id="{1D8BD707-D9CF-40AE-B4C6-C98DA3205C09}" type="datetimeFigureOut">
               <a:rPr lang="en-US" smtClean="0"/>
               <a:pPr/>
-              <a:t>8/3/2025</a:t>
+              <a:t>8/9/2025</a:t>
             </a:fld>
             <a:endParaRPr lang="en-US"/>
           </a:p>
@@ -1018,7 +1018,7 @@
             <a:fld id="{1D8BD707-D9CF-40AE-B4C6-C98DA3205C09}" type="datetimeFigureOut">
               <a:rPr lang="en-US" smtClean="0"/>
               <a:pPr/>
-              <a:t>8/3/2025</a:t>
+              <a:t>8/9/2025</a:t>
             </a:fld>
             <a:endParaRPr lang="en-US"/>
           </a:p>
@@ -1186,7 +1186,7 @@
             <a:fld id="{1D8BD707-D9CF-40AE-B4C6-C98DA3205C09}" type="datetimeFigureOut">
               <a:rPr lang="en-US" smtClean="0"/>
               <a:pPr/>
-              <a:t>8/3/2025</a:t>
+              <a:t>8/9/2025</a:t>
             </a:fld>
             <a:endParaRPr lang="en-US"/>
           </a:p>
@@ -1431,7 +1431,7 @@
             <a:fld id="{1D8BD707-D9CF-40AE-B4C6-C98DA3205C09}" type="datetimeFigureOut">
               <a:rPr lang="en-US" smtClean="0"/>
               <a:pPr/>
-              <a:t>8/3/2025</a:t>
+              <a:t>8/9/2025</a:t>
             </a:fld>
             <a:endParaRPr lang="en-US"/>
           </a:p>
@@ -1716,7 +1716,7 @@
             <a:fld id="{1D8BD707-D9CF-40AE-B4C6-C98DA3205C09}" type="datetimeFigureOut">
               <a:rPr lang="en-US" smtClean="0"/>
               <a:pPr/>
-              <a:t>8/3/2025</a:t>
+              <a:t>8/9/2025</a:t>
             </a:fld>
             <a:endParaRPr lang="en-US"/>
           </a:p>
@@ -2135,7 +2135,7 @@
             <a:fld id="{1D8BD707-D9CF-40AE-B4C6-C98DA3205C09}" type="datetimeFigureOut">
               <a:rPr lang="en-US" smtClean="0"/>
               <a:pPr/>
-              <a:t>8/3/2025</a:t>
+              <a:t>8/9/2025</a:t>
             </a:fld>
             <a:endParaRPr lang="en-US"/>
           </a:p>
@@ -2252,7 +2252,7 @@
             <a:fld id="{1D8BD707-D9CF-40AE-B4C6-C98DA3205C09}" type="datetimeFigureOut">
               <a:rPr lang="en-US" smtClean="0"/>
               <a:pPr/>
-              <a:t>8/3/2025</a:t>
+              <a:t>8/9/2025</a:t>
             </a:fld>
             <a:endParaRPr lang="en-US"/>
           </a:p>
@@ -2347,7 +2347,7 @@
             <a:fld id="{1D8BD707-D9CF-40AE-B4C6-C98DA3205C09}" type="datetimeFigureOut">
               <a:rPr lang="en-US" smtClean="0"/>
               <a:pPr/>
-              <a:t>8/3/2025</a:t>
+              <a:t>8/9/2025</a:t>
             </a:fld>
             <a:endParaRPr lang="en-US"/>
           </a:p>
@@ -2622,7 +2622,7 @@
             <a:fld id="{1D8BD707-D9CF-40AE-B4C6-C98DA3205C09}" type="datetimeFigureOut">
               <a:rPr lang="en-US" smtClean="0"/>
               <a:pPr/>
-              <a:t>8/3/2025</a:t>
+              <a:t>8/9/2025</a:t>
             </a:fld>
             <a:endParaRPr lang="en-US"/>
           </a:p>
@@ -2874,7 +2874,7 @@
             <a:fld id="{1D8BD707-D9CF-40AE-B4C6-C98DA3205C09}" type="datetimeFigureOut">
               <a:rPr lang="en-US" smtClean="0"/>
               <a:pPr/>
-              <a:t>8/3/2025</a:t>
+              <a:t>8/9/2025</a:t>
             </a:fld>
             <a:endParaRPr lang="en-US"/>
           </a:p>
@@ -3085,7 +3085,7 @@
             <a:fld id="{1D8BD707-D9CF-40AE-B4C6-C98DA3205C09}" type="datetimeFigureOut">
               <a:rPr lang="en-US" smtClean="0"/>
               <a:pPr/>
-              <a:t>8/3/2025</a:t>
+              <a:t>8/9/2025</a:t>
             </a:fld>
             <a:endParaRPr lang="en-US"/>
           </a:p>
@@ -4281,7 +4281,7 @@
               <a:rPr lang="en-US" sz="2700" dirty="0">
                 <a:latin typeface="Berlin Sans FB Demi" pitchFamily="34" charset="0"/>
               </a:rPr>
-              <a:t>Purpose of </a:t>
+              <a:t>Key Points </a:t>
             </a:r>
             <a:r>
               <a:rPr lang="en-US" sz="2700" dirty="0" err="1">
@@ -4318,179 +4318,11 @@
           </a:bodyPr>
           <a:lstStyle/>
           <a:p>
-            <a:pPr marL="457200" indent="-457200">
-              <a:spcAft>
-                <a:spcPts val="1200"/>
-              </a:spcAft>
-              <a:buFont typeface="Wingdings" pitchFamily="2" charset="2"/>
-              <a:buChar char="§"/>
-            </a:pPr>
-            <a:r>
-              <a:rPr lang="en-US" sz="2000" dirty="0">
-                <a:solidFill>
-                  <a:schemeClr val="tx1">
-                    <a:lumMod val="65000"/>
-                    <a:lumOff val="35000"/>
-                  </a:schemeClr>
-                </a:solidFill>
-                <a:latin typeface="Arial" pitchFamily="34" charset="0"/>
-                <a:cs typeface="Arial" pitchFamily="34" charset="0"/>
-              </a:rPr>
-              <a:t>Cleaner Component Structure:</a:t>
-            </a:r>
-          </a:p>
-          <a:p>
-            <a:pPr marL="457200" indent="-457200">
-              <a:spcAft>
-                <a:spcPts val="1200"/>
-              </a:spcAft>
-              <a:buFont typeface="Wingdings" pitchFamily="2" charset="2"/>
-              <a:buChar char="§"/>
-            </a:pPr>
-            <a:r>
-              <a:rPr lang="en-US" sz="2000" dirty="0">
-                <a:solidFill>
-                  <a:schemeClr val="tx1">
-                    <a:lumMod val="65000"/>
-                    <a:lumOff val="35000"/>
-                  </a:schemeClr>
-                </a:solidFill>
-                <a:latin typeface="Arial" pitchFamily="34" charset="0"/>
-                <a:cs typeface="Arial" pitchFamily="34" charset="0"/>
-              </a:rPr>
-              <a:t>By using </a:t>
-            </a:r>
-            <a:r>
-              <a:rPr lang="en-US" sz="2000" dirty="0" err="1">
-                <a:solidFill>
-                  <a:schemeClr val="tx1">
-                    <a:lumMod val="65000"/>
-                    <a:lumOff val="35000"/>
-                  </a:schemeClr>
-                </a:solidFill>
-                <a:latin typeface="Arial" pitchFamily="34" charset="0"/>
-                <a:cs typeface="Arial" pitchFamily="34" charset="0"/>
-              </a:rPr>
-              <a:t>useContext</a:t>
-            </a:r>
-            <a:r>
-              <a:rPr lang="en-US" sz="2000" dirty="0">
-                <a:solidFill>
-                  <a:schemeClr val="tx1">
-                    <a:lumMod val="65000"/>
-                    <a:lumOff val="35000"/>
-                  </a:schemeClr>
-                </a:solidFill>
-                <a:latin typeface="Arial" pitchFamily="34" charset="0"/>
-                <a:cs typeface="Arial" pitchFamily="34" charset="0"/>
-              </a:rPr>
-              <a:t>, you can keep your component tree cleaner and more readable by avoiding the clutter of passing props down through intermediary components.</a:t>
-            </a:r>
-          </a:p>
-          <a:p>
-            <a:pPr marL="457200" indent="-457200">
-              <a:spcAft>
-                <a:spcPts val="1200"/>
-              </a:spcAft>
-              <a:buFont typeface="Wingdings" pitchFamily="2" charset="2"/>
-              <a:buChar char="§"/>
-            </a:pPr>
-            <a:r>
-              <a:rPr lang="en-US" sz="2000" dirty="0">
-                <a:solidFill>
-                  <a:schemeClr val="tx1">
-                    <a:lumMod val="65000"/>
-                    <a:lumOff val="35000"/>
-                  </a:schemeClr>
-                </a:solidFill>
-                <a:latin typeface="Arial" pitchFamily="34" charset="0"/>
-                <a:cs typeface="Arial" pitchFamily="34" charset="0"/>
-              </a:rPr>
-              <a:t>Easy-to-Use API:</a:t>
-            </a:r>
-          </a:p>
-          <a:p>
-            <a:pPr marL="457200" indent="-457200">
-              <a:spcAft>
-                <a:spcPts val="1200"/>
-              </a:spcAft>
-              <a:buFont typeface="Wingdings" pitchFamily="2" charset="2"/>
-              <a:buChar char="§"/>
-            </a:pPr>
-            <a:r>
-              <a:rPr lang="en-US" sz="2000" dirty="0" err="1">
-                <a:solidFill>
-                  <a:schemeClr val="tx1">
-                    <a:lumMod val="65000"/>
-                    <a:lumOff val="35000"/>
-                  </a:schemeClr>
-                </a:solidFill>
-                <a:latin typeface="Arial" pitchFamily="34" charset="0"/>
-                <a:cs typeface="Arial" pitchFamily="34" charset="0"/>
-              </a:rPr>
-              <a:t>useContext</a:t>
-            </a:r>
-            <a:r>
-              <a:rPr lang="en-US" sz="2000" dirty="0">
-                <a:solidFill>
-                  <a:schemeClr val="tx1">
-                    <a:lumMod val="65000"/>
-                    <a:lumOff val="35000"/>
-                  </a:schemeClr>
-                </a:solidFill>
-                <a:latin typeface="Arial" pitchFamily="34" charset="0"/>
-                <a:cs typeface="Arial" pitchFamily="34" charset="0"/>
-              </a:rPr>
-              <a:t> provides a straightforward API for accessing context values within functional components, making it intuitive and easy to use.</a:t>
-            </a:r>
-          </a:p>
-          <a:p>
-            <a:pPr marL="457200" indent="-457200">
-              <a:spcAft>
-                <a:spcPts val="1200"/>
-              </a:spcAft>
-              <a:buFont typeface="Wingdings" pitchFamily="2" charset="2"/>
-              <a:buChar char="§"/>
-            </a:pPr>
-            <a:r>
-              <a:rPr lang="en-US" sz="2000" dirty="0">
-                <a:solidFill>
-                  <a:schemeClr val="tx1">
-                    <a:lumMod val="65000"/>
-                    <a:lumOff val="35000"/>
-                  </a:schemeClr>
-                </a:solidFill>
-                <a:latin typeface="Arial" pitchFamily="34" charset="0"/>
-                <a:cs typeface="Arial" pitchFamily="34" charset="0"/>
-              </a:rPr>
-              <a:t>'</a:t>
-            </a:r>
-            <a:r>
-              <a:rPr lang="en-US" sz="2000" dirty="0" err="1">
-                <a:solidFill>
-                  <a:schemeClr val="tx1">
-                    <a:lumMod val="65000"/>
-                    <a:lumOff val="35000"/>
-                  </a:schemeClr>
-                </a:solidFill>
-                <a:latin typeface="Arial" pitchFamily="34" charset="0"/>
-                <a:cs typeface="Arial" pitchFamily="34" charset="0"/>
-              </a:rPr>
-              <a:t>useContext</a:t>
-            </a:r>
-            <a:r>
-              <a:rPr lang="en-US" sz="2000">
-                <a:solidFill>
-                  <a:schemeClr val="tx1">
-                    <a:lumMod val="65000"/>
-                    <a:lumOff val="35000"/>
-                  </a:schemeClr>
-                </a:solidFill>
-                <a:latin typeface="Arial" pitchFamily="34" charset="0"/>
-                <a:cs typeface="Arial" pitchFamily="34" charset="0"/>
-              </a:rPr>
-              <a:t>' enhances the flexibility and scalability of your React applications by providing a convenient way to share and access global state or other shared data without the need for complex prop threading.</a:t>
-            </a:r>
+            <a:pPr>
+              <a:spcAft>
+                <a:spcPts val="1200"/>
+              </a:spcAft>
+            </a:pPr>
             <a:endParaRPr lang="en-US" sz="2000" dirty="0">
               <a:solidFill>
                 <a:schemeClr val="tx1">
@@ -4504,6 +4336,255 @@
           </a:p>
         </p:txBody>
       </p:sp>
+      <p:graphicFrame>
+        <p:nvGraphicFramePr>
+          <p:cNvPr id="2" name="Table 1">
+            <a:extLst>
+              <a:ext uri="{FF2B5EF4-FFF2-40B4-BE49-F238E27FC236}">
+                <a16:creationId xmlns:a16="http://schemas.microsoft.com/office/drawing/2014/main" id="{D38238B7-399F-0D4A-6A28-07AC99E11FDA}"/>
+              </a:ext>
+            </a:extLst>
+          </p:cNvPr>
+          <p:cNvGraphicFramePr>
+            <a:graphicFrameLocks noGrp="1"/>
+          </p:cNvGraphicFramePr>
+          <p:nvPr>
+            <p:extLst>
+              <p:ext uri="{D42A27DB-BD31-4B8C-83A1-F6EECF244321}">
+                <p14:modId xmlns:p14="http://schemas.microsoft.com/office/powerpoint/2010/main" val="2281882651"/>
+              </p:ext>
+            </p:extLst>
+          </p:nvPr>
+        </p:nvGraphicFramePr>
+        <p:xfrm>
+          <a:off x="914400" y="1397000"/>
+          <a:ext cx="7239000" cy="2392680"/>
+        </p:xfrm>
+        <a:graphic>
+          <a:graphicData uri="http://schemas.openxmlformats.org/drawingml/2006/table">
+            <a:tbl>
+              <a:tblPr firstRow="1" bandRow="1">
+                <a:tableStyleId>{5C22544A-7EE6-4342-B048-85BDC9FD1C3A}</a:tableStyleId>
+              </a:tblPr>
+              <a:tblGrid>
+                <a:gridCol w="3619500">
+                  <a:extLst>
+                    <a:ext uri="{9D8B030D-6E8A-4147-A177-3AD203B41FA5}">
+                      <a16:colId xmlns:a16="http://schemas.microsoft.com/office/drawing/2014/main" val="173383619"/>
+                    </a:ext>
+                  </a:extLst>
+                </a:gridCol>
+                <a:gridCol w="3619500">
+                  <a:extLst>
+                    <a:ext uri="{9D8B030D-6E8A-4147-A177-3AD203B41FA5}">
+                      <a16:colId xmlns:a16="http://schemas.microsoft.com/office/drawing/2014/main" val="1432772768"/>
+                    </a:ext>
+                  </a:extLst>
+                </a:gridCol>
+              </a:tblGrid>
+              <a:tr h="370840">
+                <a:tc>
+                  <a:txBody>
+                    <a:bodyPr/>
+                    <a:lstStyle/>
+                    <a:p>
+                      <a:pPr>
+                        <a:buNone/>
+                      </a:pPr>
+                      <a:r>
+                        <a:rPr lang="en-US" dirty="0"/>
+                        <a:t>Feature</a:t>
+                      </a:r>
+                    </a:p>
+                  </a:txBody>
+                  <a:tcPr anchor="ctr"/>
+                </a:tc>
+                <a:tc>
+                  <a:txBody>
+                    <a:bodyPr/>
+                    <a:lstStyle/>
+                    <a:p>
+                      <a:pPr>
+                        <a:buNone/>
+                      </a:pPr>
+                      <a:r>
+                        <a:rPr lang="en-US"/>
+                        <a:t>Description</a:t>
+                      </a:r>
+                    </a:p>
+                  </a:txBody>
+                  <a:tcPr anchor="ctr"/>
+                </a:tc>
+                <a:extLst>
+                  <a:ext uri="{0D108BD9-81ED-4DB2-BD59-A6C34878D82A}">
+                    <a16:rowId xmlns:a16="http://schemas.microsoft.com/office/drawing/2014/main" val="1387409624"/>
+                  </a:ext>
+                </a:extLst>
+              </a:tr>
+              <a:tr h="370840">
+                <a:tc>
+                  <a:txBody>
+                    <a:bodyPr/>
+                    <a:lstStyle/>
+                    <a:p>
+                      <a:pPr>
+                        <a:buNone/>
+                      </a:pPr>
+                      <a:r>
+                        <a:rPr lang="en-US" b="1"/>
+                        <a:t>Avoid Prop Drilling</a:t>
+                      </a:r>
+                      <a:endParaRPr lang="en-US"/>
+                    </a:p>
+                  </a:txBody>
+                  <a:tcPr anchor="ctr"/>
+                </a:tc>
+                <a:tc>
+                  <a:txBody>
+                    <a:bodyPr/>
+                    <a:lstStyle/>
+                    <a:p>
+                      <a:pPr>
+                        <a:buNone/>
+                      </a:pPr>
+                      <a:r>
+                        <a:rPr lang="en-US"/>
+                        <a:t>Directly access data anywhere</a:t>
+                      </a:r>
+                    </a:p>
+                  </a:txBody>
+                  <a:tcPr anchor="ctr"/>
+                </a:tc>
+                <a:extLst>
+                  <a:ext uri="{0D108BD9-81ED-4DB2-BD59-A6C34878D82A}">
+                    <a16:rowId xmlns:a16="http://schemas.microsoft.com/office/drawing/2014/main" val="2038886804"/>
+                  </a:ext>
+                </a:extLst>
+              </a:tr>
+              <a:tr h="370840">
+                <a:tc>
+                  <a:txBody>
+                    <a:bodyPr/>
+                    <a:lstStyle/>
+                    <a:p>
+                      <a:pPr>
+                        <a:buNone/>
+                      </a:pPr>
+                      <a:r>
+                        <a:rPr lang="en-US" b="1"/>
+                        <a:t>Provider</a:t>
+                      </a:r>
+                      <a:endParaRPr lang="en-US"/>
+                    </a:p>
+                  </a:txBody>
+                  <a:tcPr anchor="ctr"/>
+                </a:tc>
+                <a:tc>
+                  <a:txBody>
+                    <a:bodyPr/>
+                    <a:lstStyle/>
+                    <a:p>
+                      <a:pPr>
+                        <a:buNone/>
+                      </a:pPr>
+                      <a:r>
+                        <a:rPr lang="en-US"/>
+                        <a:t>Must wrap components that use the context</a:t>
+                      </a:r>
+                    </a:p>
+                  </a:txBody>
+                  <a:tcPr anchor="ctr"/>
+                </a:tc>
+                <a:extLst>
+                  <a:ext uri="{0D108BD9-81ED-4DB2-BD59-A6C34878D82A}">
+                    <a16:rowId xmlns:a16="http://schemas.microsoft.com/office/drawing/2014/main" val="2488734669"/>
+                  </a:ext>
+                </a:extLst>
+              </a:tr>
+              <a:tr h="370840">
+                <a:tc>
+                  <a:txBody>
+                    <a:bodyPr/>
+                    <a:lstStyle/>
+                    <a:p>
+                      <a:pPr>
+                        <a:buNone/>
+                      </a:pPr>
+                      <a:r>
+                        <a:rPr lang="en-US" b="1"/>
+                        <a:t>Multiple Contexts</a:t>
+                      </a:r>
+                      <a:endParaRPr lang="en-US"/>
+                    </a:p>
+                  </a:txBody>
+                  <a:tcPr anchor="ctr"/>
+                </a:tc>
+                <a:tc>
+                  <a:txBody>
+                    <a:bodyPr/>
+                    <a:lstStyle/>
+                    <a:p>
+                      <a:pPr>
+                        <a:buNone/>
+                      </a:pPr>
+                      <a:r>
+                        <a:rPr lang="en-US"/>
+                        <a:t>Can use multiple useContext calls</a:t>
+                      </a:r>
+                    </a:p>
+                  </a:txBody>
+                  <a:tcPr anchor="ctr"/>
+                </a:tc>
+                <a:extLst>
+                  <a:ext uri="{0D108BD9-81ED-4DB2-BD59-A6C34878D82A}">
+                    <a16:rowId xmlns:a16="http://schemas.microsoft.com/office/drawing/2014/main" val="652159566"/>
+                  </a:ext>
+                </a:extLst>
+              </a:tr>
+              <a:tr h="370840">
+                <a:tc>
+                  <a:txBody>
+                    <a:bodyPr/>
+                    <a:lstStyle/>
+                    <a:p>
+                      <a:pPr>
+                        <a:buNone/>
+                      </a:pPr>
+                      <a:r>
+                        <a:rPr lang="en-US" b="1"/>
+                        <a:t>Re-render</a:t>
+                      </a:r>
+                      <a:endParaRPr lang="en-US"/>
+                    </a:p>
+                  </a:txBody>
+                  <a:tcPr anchor="ctr"/>
+                </a:tc>
+                <a:tc>
+                  <a:txBody>
+                    <a:bodyPr/>
+                    <a:lstStyle/>
+                    <a:p>
+                      <a:pPr>
+                        <a:buNone/>
+                      </a:pPr>
+                      <a:r>
+                        <a:rPr lang="en-US" dirty="0"/>
+                        <a:t>Context value changes cause re-renders in all consumers</a:t>
+                      </a:r>
+                    </a:p>
+                  </a:txBody>
+                  <a:tcPr anchor="ctr"/>
+                </a:tc>
+                <a:extLst>
+                  <a:ext uri="{0D108BD9-81ED-4DB2-BD59-A6C34878D82A}">
+                    <a16:rowId xmlns:a16="http://schemas.microsoft.com/office/drawing/2014/main" val="1759970868"/>
+                  </a:ext>
+                </a:extLst>
+              </a:tr>
+            </a:tbl>
+          </a:graphicData>
+        </a:graphic>
+      </p:graphicFrame>
     </p:spTree>
     <p:extLst>
       <p:ext uri="{BB962C8B-B14F-4D97-AF65-F5344CB8AC3E}">
@@ -4623,6 +4704,80 @@
               </a:rPr>
               <a:t>The useRef is a hook that allows to directly create a reference to the DOM element in the functional component.</a:t>
             </a:r>
+          </a:p>
+          <a:p>
+            <a:pPr marL="457200" indent="-457200">
+              <a:spcAft>
+                <a:spcPts val="1200"/>
+              </a:spcAft>
+              <a:buFont typeface="Wingdings" pitchFamily="2" charset="2"/>
+              <a:buChar char="§"/>
+            </a:pPr>
+            <a:r>
+              <a:rPr lang="en-US" sz="2000" dirty="0">
+                <a:solidFill>
+                  <a:schemeClr val="tx1">
+                    <a:lumMod val="65000"/>
+                    <a:lumOff val="35000"/>
+                  </a:schemeClr>
+                </a:solidFill>
+                <a:latin typeface="Arial" pitchFamily="34" charset="0"/>
+                <a:cs typeface="Arial" pitchFamily="34" charset="0"/>
+              </a:rPr>
+              <a:t>The </a:t>
+            </a:r>
+            <a:r>
+              <a:rPr lang="en-US" sz="2000" dirty="0" err="1">
+                <a:solidFill>
+                  <a:schemeClr val="tx1">
+                    <a:lumMod val="65000"/>
+                    <a:lumOff val="35000"/>
+                  </a:schemeClr>
+                </a:solidFill>
+                <a:latin typeface="Arial" pitchFamily="34" charset="0"/>
+                <a:cs typeface="Arial" pitchFamily="34" charset="0"/>
+              </a:rPr>
+              <a:t>useRef</a:t>
+            </a:r>
+            <a:r>
+              <a:rPr lang="en-US" sz="2000" dirty="0">
+                <a:solidFill>
+                  <a:schemeClr val="tx1">
+                    <a:lumMod val="65000"/>
+                    <a:lumOff val="35000"/>
+                  </a:schemeClr>
+                </a:solidFill>
+                <a:latin typeface="Arial" pitchFamily="34" charset="0"/>
+                <a:cs typeface="Arial" pitchFamily="34" charset="0"/>
+              </a:rPr>
+              <a:t> </a:t>
+            </a:r>
+            <a:r>
+              <a:rPr lang="en-US" sz="2000" b="1" dirty="0"/>
+              <a:t>Create a reference</a:t>
+            </a:r>
+            <a:r>
+              <a:rPr lang="en-US" sz="2000" dirty="0"/>
+              <a:t> to a </a:t>
+            </a:r>
+            <a:r>
+              <a:rPr lang="en-US" sz="2000" b="1" dirty="0"/>
+              <a:t>DOM element</a:t>
+            </a:r>
+            <a:r>
+              <a:rPr lang="en-US" sz="2000" dirty="0"/>
+              <a:t> (like an input).</a:t>
+            </a:r>
+            <a:endParaRPr lang="en-US" sz="2000" dirty="0">
+              <a:solidFill>
+                <a:schemeClr val="tx1">
+                  <a:lumMod val="65000"/>
+                  <a:lumOff val="35000"/>
+                </a:schemeClr>
+              </a:solidFill>
+              <a:latin typeface="Arial" pitchFamily="34" charset="0"/>
+              <a:cs typeface="Arial" pitchFamily="34" charset="0"/>
+            </a:endParaRPr>
           </a:p>
           <a:p>
             <a:pPr marL="457200" indent="-457200">
@@ -9531,7 +9686,7 @@
         </p:spPr>
         <p:txBody>
           <a:bodyPr vert="horz" lIns="91440" tIns="45720" rIns="91440" bIns="45720" rtlCol="0">
-            <a:normAutofit/>
+            <a:normAutofit fontScale="92500" lnSpcReduction="20000"/>
           </a:bodyPr>
           <a:lstStyle/>
           <a:p>
@@ -9587,78 +9742,7 @@
               <a:buChar char="§"/>
             </a:pPr>
             <a:r>
-              <a:rPr lang="en-US" sz="2000" b="0" i="0" dirty="0">
-                <a:solidFill>
-                  <a:srgbClr val="273239"/>
-                </a:solidFill>
-                <a:effectLst/>
-                <a:highlight>
-                  <a:srgbClr val="FFFFFF"/>
-                </a:highlight>
-                <a:latin typeface="Nunito" pitchFamily="2" charset="0"/>
-              </a:rPr>
-              <a:t>The useContext hook is the new addition in React 16.8. </a:t>
-            </a:r>
-            <a:endParaRPr lang="en-US" sz="2000" b="0" i="0" dirty="0">
-              <a:solidFill>
-                <a:schemeClr val="tx1">
-                  <a:lumMod val="65000"/>
-                  <a:lumOff val="35000"/>
-                </a:schemeClr>
-              </a:solidFill>
-              <a:effectLst/>
-              <a:highlight>
-                <a:srgbClr val="FFFFFF"/>
-              </a:highlight>
-              <a:latin typeface="Arial" pitchFamily="34" charset="0"/>
-              <a:cs typeface="Arial" pitchFamily="34" charset="0"/>
-            </a:endParaRPr>
-          </a:p>
-          <a:p>
-            <a:pPr marL="457200" indent="-457200">
-              <a:spcAft>
-                <a:spcPts val="1200"/>
-              </a:spcAft>
-              <a:buFont typeface="Wingdings" pitchFamily="2" charset="2"/>
-              <a:buChar char="§"/>
-            </a:pPr>
-            <a:r>
-              <a:rPr lang="en-US" sz="2000" b="0" i="0" dirty="0">
-                <a:solidFill>
-                  <a:srgbClr val="273239"/>
-                </a:solidFill>
-                <a:effectLst/>
-                <a:highlight>
-                  <a:srgbClr val="FFFFFF"/>
-                </a:highlight>
-                <a:latin typeface="Nunito" pitchFamily="2" charset="0"/>
-              </a:rPr>
-              <a:t>useContext hook helps to make the code more readable, less verbose and removes the need to introduce Consumer Component.</a:t>
-            </a:r>
-            <a:endParaRPr lang="en-US" sz="2000" dirty="0">
-              <a:solidFill>
-                <a:schemeClr val="tx1">
-                  <a:lumMod val="65000"/>
-                  <a:lumOff val="35000"/>
-                </a:schemeClr>
-              </a:solidFill>
-              <a:highlight>
-                <a:srgbClr val="FFFFFF"/>
-              </a:highlight>
-              <a:latin typeface="Arial" pitchFamily="34" charset="0"/>
-              <a:cs typeface="Arial" pitchFamily="34" charset="0"/>
-            </a:endParaRPr>
-          </a:p>
-          <a:p>
-            <a:pPr marL="457200" indent="-457200">
-              <a:spcAft>
-                <a:spcPts val="1200"/>
-              </a:spcAft>
-              <a:buFont typeface="Wingdings" pitchFamily="2" charset="2"/>
-              <a:buChar char="§"/>
-            </a:pPr>
-            <a:r>
-              <a:rPr lang="en-US" sz="2000">
+              <a:rPr lang="en-US" sz="2000" dirty="0" err="1">
                 <a:solidFill>
                   <a:schemeClr val="tx1">
                     <a:lumMod val="65000"/>
@@ -9668,7 +9752,183 @@
                 <a:latin typeface="Arial" pitchFamily="34" charset="0"/>
                 <a:cs typeface="Arial" pitchFamily="34" charset="0"/>
               </a:rPr>
-              <a:t>Syntax:</a:t>
+              <a:t>useContext</a:t>
+            </a:r>
+            <a:r>
+              <a:rPr lang="en-US" sz="2000" dirty="0">
+                <a:solidFill>
+                  <a:schemeClr val="tx1">
+                    <a:lumMod val="65000"/>
+                    <a:lumOff val="35000"/>
+                  </a:schemeClr>
+                </a:solidFill>
+                <a:latin typeface="Arial" pitchFamily="34" charset="0"/>
+                <a:cs typeface="Arial" pitchFamily="34" charset="0"/>
+              </a:rPr>
+              <a:t> </a:t>
+            </a:r>
+            <a:r>
+              <a:rPr lang="en-US" sz="2000" dirty="0"/>
+              <a:t>is a React Hook that allows you to </a:t>
+            </a:r>
+            <a:r>
+              <a:rPr lang="en-US" sz="2000" b="1" dirty="0"/>
+              <a:t>share data between components</a:t>
+            </a:r>
+            <a:r>
+              <a:rPr lang="en-US" sz="2000" dirty="0"/>
+              <a:t> without manually passing props down through every level (</a:t>
+            </a:r>
+            <a:r>
+              <a:rPr lang="en-US" sz="2000" b="1" dirty="0"/>
+              <a:t>prop drilling</a:t>
+            </a:r>
+            <a:r>
+              <a:rPr lang="en-US" sz="2000" dirty="0"/>
+              <a:t>).</a:t>
+            </a:r>
+          </a:p>
+          <a:p>
+            <a:pPr marL="457200" indent="-457200">
+              <a:spcAft>
+                <a:spcPts val="1200"/>
+              </a:spcAft>
+              <a:buFont typeface="Wingdings" pitchFamily="2" charset="2"/>
+              <a:buChar char="§"/>
+            </a:pPr>
+            <a:r>
+              <a:rPr lang="en-US" sz="2000" dirty="0"/>
+              <a:t>📦 </a:t>
+            </a:r>
+            <a:r>
+              <a:rPr lang="en-US" sz="2000" b="1" dirty="0"/>
+              <a:t>Why use it?</a:t>
+            </a:r>
+          </a:p>
+          <a:p>
+            <a:pPr marL="457200" indent="-457200">
+              <a:spcAft>
+                <a:spcPts val="1200"/>
+              </a:spcAft>
+              <a:buFont typeface="Wingdings" pitchFamily="2" charset="2"/>
+              <a:buChar char="§"/>
+            </a:pPr>
+            <a:r>
+              <a:rPr lang="en-US" sz="2000" b="1" dirty="0">
+                <a:solidFill>
+                  <a:schemeClr val="tx1">
+                    <a:lumMod val="65000"/>
+                    <a:lumOff val="35000"/>
+                  </a:schemeClr>
+                </a:solidFill>
+                <a:latin typeface="Arial" pitchFamily="34" charset="0"/>
+                <a:cs typeface="Arial" pitchFamily="34" charset="0"/>
+              </a:rPr>
+              <a:t>Without </a:t>
+            </a:r>
+            <a:r>
+              <a:rPr lang="en-US" sz="2000" dirty="0" err="1"/>
+              <a:t>useContext</a:t>
+            </a:r>
+            <a:r>
+              <a:rPr lang="en-US" sz="2000" dirty="0"/>
+              <a:t>:</a:t>
+            </a:r>
+          </a:p>
+          <a:p>
+            <a:pPr marL="457200" indent="-457200">
+              <a:spcAft>
+                <a:spcPts val="1200"/>
+              </a:spcAft>
+              <a:buFont typeface="Wingdings" pitchFamily="2" charset="2"/>
+              <a:buChar char="§"/>
+            </a:pPr>
+            <a:r>
+              <a:rPr lang="en-US" sz="2000" dirty="0"/>
+              <a:t>If you have a </a:t>
+            </a:r>
+            <a:r>
+              <a:rPr lang="en-US" sz="2000" b="1" dirty="0"/>
+              <a:t>theme</a:t>
+            </a:r>
+            <a:r>
+              <a:rPr lang="en-US" sz="2000" dirty="0"/>
+              <a:t>, </a:t>
+            </a:r>
+            <a:r>
+              <a:rPr lang="en-US" sz="2000" b="1" dirty="0"/>
+              <a:t>user info</a:t>
+            </a:r>
+            <a:r>
+              <a:rPr lang="en-US" sz="2000" dirty="0"/>
+              <a:t>, or </a:t>
+            </a:r>
+            <a:r>
+              <a:rPr lang="en-US" sz="2000" b="1" dirty="0"/>
+              <a:t>language settings</a:t>
+            </a:r>
+            <a:r>
+              <a:rPr lang="en-US" sz="2000" dirty="0"/>
+              <a:t>, you would pass them through every child component manually → </a:t>
+            </a:r>
+            <a:r>
+              <a:rPr lang="en-US" sz="2000" b="1" dirty="0"/>
+              <a:t>prop drilling</a:t>
+            </a:r>
+            <a:r>
+              <a:rPr lang="en-US" sz="2000" dirty="0"/>
+              <a:t>.</a:t>
+            </a:r>
+          </a:p>
+          <a:p>
+            <a:pPr marL="457200" indent="-457200">
+              <a:spcAft>
+                <a:spcPts val="1200"/>
+              </a:spcAft>
+              <a:buFont typeface="Wingdings" pitchFamily="2" charset="2"/>
+              <a:buChar char="§"/>
+            </a:pPr>
+            <a:r>
+              <a:rPr lang="en-US" sz="2000" b="1" dirty="0">
+                <a:solidFill>
+                  <a:schemeClr val="tx1">
+                    <a:lumMod val="65000"/>
+                    <a:lumOff val="35000"/>
+                  </a:schemeClr>
+                </a:solidFill>
+                <a:latin typeface="Arial" pitchFamily="34" charset="0"/>
+                <a:cs typeface="Arial" pitchFamily="34" charset="0"/>
+              </a:rPr>
+              <a:t>With </a:t>
+            </a:r>
+            <a:r>
+              <a:rPr lang="en-US" sz="2000" dirty="0" err="1"/>
+              <a:t>useContext</a:t>
+            </a:r>
+            <a:r>
+              <a:rPr lang="en-US" sz="2000" dirty="0"/>
+              <a:t>:</a:t>
+            </a:r>
+          </a:p>
+          <a:p>
+            <a:pPr marL="457200" indent="-457200">
+              <a:spcAft>
+                <a:spcPts val="1200"/>
+              </a:spcAft>
+              <a:buFont typeface="Wingdings" pitchFamily="2" charset="2"/>
+              <a:buChar char="§"/>
+            </a:pPr>
+            <a:r>
+              <a:rPr lang="en-US" sz="2000" dirty="0"/>
+              <a:t>Components can </a:t>
+            </a:r>
+            <a:r>
+              <a:rPr lang="en-US" sz="2000" b="1" dirty="0"/>
+              <a:t>directly access the shared data</a:t>
+            </a:r>
+            <a:r>
+              <a:rPr lang="en-US" sz="2000" dirty="0"/>
+              <a:t> from anywhere in the tree.</a:t>
             </a:r>
             <a:endParaRPr lang="en-US" sz="2000" dirty="0">
               <a:solidFill>
@@ -9700,10 +9960,19 @@
                 <a:latin typeface="Arial" pitchFamily="34" charset="0"/>
                 <a:cs typeface="Arial" pitchFamily="34" charset="0"/>
               </a:rPr>
-              <a:t>const </a:t>
-            </a:r>
-            <a:r>
-              <a:rPr lang="en-US" sz="2000" dirty="0" err="1">
+              <a:t>Syntax:</a:t>
+            </a:r>
+          </a:p>
+          <a:p>
+            <a:pPr marL="457200" indent="-457200">
+              <a:spcAft>
+                <a:spcPts val="1200"/>
+              </a:spcAft>
+              <a:buFont typeface="Wingdings" pitchFamily="2" charset="2"/>
+              <a:buChar char="§"/>
+            </a:pPr>
+            <a:r>
+              <a:rPr lang="en-US" sz="2000" dirty="0">
                 <a:solidFill>
                   <a:schemeClr val="tx1">
                     <a:lumMod val="65000"/>
@@ -9713,10 +9982,10 @@
                 <a:latin typeface="Arial" pitchFamily="34" charset="0"/>
                 <a:cs typeface="Arial" pitchFamily="34" charset="0"/>
               </a:rPr>
-              <a:t>authContext</a:t>
-            </a:r>
-            <a:r>
-              <a:rPr lang="en-US" sz="2000" dirty="0">
+              <a:t>const value = </a:t>
+            </a:r>
+            <a:r>
+              <a:rPr lang="en-US" sz="2000" dirty="0" err="1">
                 <a:solidFill>
                   <a:schemeClr val="tx1">
                     <a:lumMod val="65000"/>
@@ -9726,10 +9995,10 @@
                 <a:latin typeface="Arial" pitchFamily="34" charset="0"/>
                 <a:cs typeface="Arial" pitchFamily="34" charset="0"/>
               </a:rPr>
-              <a:t> = useContext(</a:t>
-            </a:r>
-            <a:r>
-              <a:rPr lang="en-US" sz="2000" dirty="0" err="1">
+              <a:t>useContext</a:t>
+            </a:r>
+            <a:r>
+              <a:rPr lang="en-US" sz="2000" dirty="0">
                 <a:solidFill>
                   <a:schemeClr val="tx1">
                     <a:lumMod val="65000"/>
@@ -9739,10 +10008,10 @@
                 <a:latin typeface="Arial" pitchFamily="34" charset="0"/>
                 <a:cs typeface="Arial" pitchFamily="34" charset="0"/>
               </a:rPr>
-              <a:t>initialValue</a:t>
-            </a:r>
-            <a:r>
-              <a:rPr lang="en-US" sz="2000" dirty="0">
+              <a:t>(</a:t>
+            </a:r>
+            <a:r>
+              <a:rPr lang="en-US" sz="2000" dirty="0" err="1">
                 <a:solidFill>
                   <a:schemeClr val="tx1">
                     <a:lumMod val="65000"/>
@@ -9752,7 +10021,103 @@
                 <a:latin typeface="Arial" pitchFamily="34" charset="0"/>
                 <a:cs typeface="Arial" pitchFamily="34" charset="0"/>
               </a:rPr>
+              <a:t>mycontext</a:t>
+            </a:r>
+            <a:r>
+              <a:rPr lang="en-US" sz="2000" dirty="0">
+                <a:solidFill>
+                  <a:schemeClr val="tx1">
+                    <a:lumMod val="65000"/>
+                    <a:lumOff val="35000"/>
+                  </a:schemeClr>
+                </a:solidFill>
+                <a:latin typeface="Arial" pitchFamily="34" charset="0"/>
+                <a:cs typeface="Arial" pitchFamily="34" charset="0"/>
+              </a:rPr>
               <a:t>);</a:t>
+            </a:r>
+          </a:p>
+          <a:p>
+            <a:pPr marL="457200" indent="-457200">
+              <a:spcAft>
+                <a:spcPts val="1200"/>
+              </a:spcAft>
+              <a:buFont typeface="Wingdings" pitchFamily="2" charset="2"/>
+              <a:buChar char="§"/>
+            </a:pPr>
+            <a:r>
+              <a:rPr lang="en-US" sz="2000" dirty="0" err="1">
+                <a:solidFill>
+                  <a:schemeClr val="tx1">
+                    <a:lumMod val="65000"/>
+                    <a:lumOff val="35000"/>
+                  </a:schemeClr>
+                </a:solidFill>
+                <a:latin typeface="Arial" pitchFamily="34" charset="0"/>
+                <a:cs typeface="Arial" pitchFamily="34" charset="0"/>
+              </a:rPr>
+              <a:t>MyContext</a:t>
+            </a:r>
+            <a:r>
+              <a:rPr lang="en-US" sz="2000" dirty="0">
+                <a:solidFill>
+                  <a:schemeClr val="tx1">
+                    <a:lumMod val="65000"/>
+                    <a:lumOff val="35000"/>
+                  </a:schemeClr>
+                </a:solidFill>
+                <a:latin typeface="Arial" pitchFamily="34" charset="0"/>
+                <a:cs typeface="Arial" pitchFamily="34" charset="0"/>
+              </a:rPr>
+              <a:t> → created using </a:t>
+            </a:r>
+            <a:r>
+              <a:rPr lang="en-US" sz="2000" dirty="0" err="1">
+                <a:solidFill>
+                  <a:schemeClr val="tx1">
+                    <a:lumMod val="65000"/>
+                    <a:lumOff val="35000"/>
+                  </a:schemeClr>
+                </a:solidFill>
+                <a:latin typeface="Arial" pitchFamily="34" charset="0"/>
+                <a:cs typeface="Arial" pitchFamily="34" charset="0"/>
+              </a:rPr>
+              <a:t>React.createContext</a:t>
+            </a:r>
+            <a:r>
+              <a:rPr lang="en-US" sz="2000" dirty="0">
+                <a:solidFill>
+                  <a:schemeClr val="tx1">
+                    <a:lumMod val="65000"/>
+                    <a:lumOff val="35000"/>
+                  </a:schemeClr>
+                </a:solidFill>
+                <a:latin typeface="Arial" pitchFamily="34" charset="0"/>
+                <a:cs typeface="Arial" pitchFamily="34" charset="0"/>
+              </a:rPr>
+              <a:t>()</a:t>
+            </a:r>
+          </a:p>
+          <a:p>
+            <a:pPr marL="457200" indent="-457200">
+              <a:spcAft>
+                <a:spcPts val="1200"/>
+              </a:spcAft>
+              <a:buFont typeface="Wingdings" pitchFamily="2" charset="2"/>
+              <a:buChar char="§"/>
+            </a:pPr>
+            <a:r>
+              <a:rPr lang="en-US" sz="2000" dirty="0">
+                <a:solidFill>
+                  <a:schemeClr val="tx1">
+                    <a:lumMod val="65000"/>
+                    <a:lumOff val="35000"/>
+                  </a:schemeClr>
+                </a:solidFill>
+                <a:latin typeface="Arial" pitchFamily="34" charset="0"/>
+                <a:cs typeface="Arial" pitchFamily="34" charset="0"/>
+              </a:rPr>
+              <a:t>value → the nearest provider's value</a:t>
             </a:r>
           </a:p>
           <a:p>
